--- a/부실가계탐지모형.pptx
+++ b/부실가계탐지모형.pptx
@@ -5,7 +5,7 @@
     <p:sldMasterId id="2147483648" r:id="rId1"/>
   </p:sldMasterIdLst>
   <p:notesMasterIdLst>
-    <p:notesMasterId r:id="rId18"/>
+    <p:notesMasterId r:id="rId20"/>
   </p:notesMasterIdLst>
   <p:sldIdLst>
     <p:sldId id="256" r:id="rId2"/>
@@ -24,6 +24,8 @@
     <p:sldId id="275" r:id="rId15"/>
     <p:sldId id="278" r:id="rId16"/>
     <p:sldId id="279" r:id="rId17"/>
+    <p:sldId id="281" r:id="rId18"/>
+    <p:sldId id="282" r:id="rId19"/>
   </p:sldIdLst>
   <p:sldSz cx="12192000" cy="6858000"/>
   <p:notesSz cx="6858000" cy="9144000"/>
@@ -215,7 +217,7 @@
           <a:p>
             <a:fld id="{D3D22880-FDA3-4694-B81F-C1F85F829F39}" type="datetimeFigureOut">
               <a:rPr lang="ko-KR" altLang="en-US" smtClean="0"/>
-              <a:t>2021-04-30</a:t>
+              <a:t>2021-05-05</a:t>
             </a:fld>
             <a:endParaRPr lang="ko-KR" altLang="en-US"/>
           </a:p>
@@ -629,7 +631,7 @@
           <a:p>
             <a:fld id="{93D16A78-2C8A-4F39-AD27-BD8CA3EA2A0D}" type="datetimeFigureOut">
               <a:rPr lang="ko-KR" altLang="en-US" smtClean="0"/>
-              <a:t>2021-04-30</a:t>
+              <a:t>2021-05-05</a:t>
             </a:fld>
             <a:endParaRPr lang="ko-KR" altLang="en-US"/>
           </a:p>
@@ -827,7 +829,7 @@
           <a:p>
             <a:fld id="{93D16A78-2C8A-4F39-AD27-BD8CA3EA2A0D}" type="datetimeFigureOut">
               <a:rPr lang="ko-KR" altLang="en-US" smtClean="0"/>
-              <a:t>2021-04-30</a:t>
+              <a:t>2021-05-05</a:t>
             </a:fld>
             <a:endParaRPr lang="ko-KR" altLang="en-US"/>
           </a:p>
@@ -1035,7 +1037,7 @@
           <a:p>
             <a:fld id="{93D16A78-2C8A-4F39-AD27-BD8CA3EA2A0D}" type="datetimeFigureOut">
               <a:rPr lang="ko-KR" altLang="en-US" smtClean="0"/>
-              <a:t>2021-04-30</a:t>
+              <a:t>2021-05-05</a:t>
             </a:fld>
             <a:endParaRPr lang="ko-KR" altLang="en-US"/>
           </a:p>
@@ -1310,7 +1312,7 @@
           <a:p>
             <a:fld id="{93D16A78-2C8A-4F39-AD27-BD8CA3EA2A0D}" type="datetimeFigureOut">
               <a:rPr lang="ko-KR" altLang="en-US" smtClean="0"/>
-              <a:t>2021-04-30</a:t>
+              <a:t>2021-05-05</a:t>
             </a:fld>
             <a:endParaRPr lang="ko-KR" altLang="en-US"/>
           </a:p>
@@ -1480,7 +1482,7 @@
           <a:p>
             <a:fld id="{93D16A78-2C8A-4F39-AD27-BD8CA3EA2A0D}" type="datetimeFigureOut">
               <a:rPr lang="ko-KR" altLang="en-US" smtClean="0"/>
-              <a:t>2021-04-30</a:t>
+              <a:t>2021-05-05</a:t>
             </a:fld>
             <a:endParaRPr lang="ko-KR" altLang="en-US"/>
           </a:p>
@@ -1745,7 +1747,7 @@
           <a:p>
             <a:fld id="{93D16A78-2C8A-4F39-AD27-BD8CA3EA2A0D}" type="datetimeFigureOut">
               <a:rPr lang="ko-KR" altLang="en-US" smtClean="0"/>
-              <a:t>2021-04-30</a:t>
+              <a:t>2021-05-05</a:t>
             </a:fld>
             <a:endParaRPr lang="ko-KR" altLang="en-US"/>
           </a:p>
@@ -2157,7 +2159,7 @@
           <a:p>
             <a:fld id="{93D16A78-2C8A-4F39-AD27-BD8CA3EA2A0D}" type="datetimeFigureOut">
               <a:rPr lang="ko-KR" altLang="en-US" smtClean="0"/>
-              <a:t>2021-04-30</a:t>
+              <a:t>2021-05-05</a:t>
             </a:fld>
             <a:endParaRPr lang="ko-KR" altLang="en-US"/>
           </a:p>
@@ -2298,7 +2300,7 @@
           <a:p>
             <a:fld id="{93D16A78-2C8A-4F39-AD27-BD8CA3EA2A0D}" type="datetimeFigureOut">
               <a:rPr lang="ko-KR" altLang="en-US" smtClean="0"/>
-              <a:t>2021-04-30</a:t>
+              <a:t>2021-05-05</a:t>
             </a:fld>
             <a:endParaRPr lang="ko-KR" altLang="en-US"/>
           </a:p>
@@ -2411,7 +2413,7 @@
           <a:p>
             <a:fld id="{93D16A78-2C8A-4F39-AD27-BD8CA3EA2A0D}" type="datetimeFigureOut">
               <a:rPr lang="ko-KR" altLang="en-US" smtClean="0"/>
-              <a:t>2021-04-30</a:t>
+              <a:t>2021-05-05</a:t>
             </a:fld>
             <a:endParaRPr lang="ko-KR" altLang="en-US"/>
           </a:p>
@@ -2722,7 +2724,7 @@
           <a:p>
             <a:fld id="{93D16A78-2C8A-4F39-AD27-BD8CA3EA2A0D}" type="datetimeFigureOut">
               <a:rPr lang="ko-KR" altLang="en-US" smtClean="0"/>
-              <a:t>2021-04-30</a:t>
+              <a:t>2021-05-05</a:t>
             </a:fld>
             <a:endParaRPr lang="ko-KR" altLang="en-US"/>
           </a:p>
@@ -3010,7 +3012,7 @@
           <a:p>
             <a:fld id="{93D16A78-2C8A-4F39-AD27-BD8CA3EA2A0D}" type="datetimeFigureOut">
               <a:rPr lang="ko-KR" altLang="en-US" smtClean="0"/>
-              <a:t>2021-04-30</a:t>
+              <a:t>2021-05-05</a:t>
             </a:fld>
             <a:endParaRPr lang="ko-KR" altLang="en-US"/>
           </a:p>
@@ -3251,7 +3253,7 @@
           <a:p>
             <a:fld id="{93D16A78-2C8A-4F39-AD27-BD8CA3EA2A0D}" type="datetimeFigureOut">
               <a:rPr lang="ko-KR" altLang="en-US" smtClean="0"/>
-              <a:t>2021-04-30</a:t>
+              <a:t>2021-05-05</a:t>
             </a:fld>
             <a:endParaRPr lang="ko-KR" altLang="en-US"/>
           </a:p>
@@ -9475,6 +9477,254 @@
 </p:sld>
 </file>
 
+<file path=ppt/slides/slide17.xml><?xml version="1.0" encoding="utf-8"?>
+<p:sld xmlns:a="http://schemas.openxmlformats.org/drawingml/2006/main" xmlns:r="http://schemas.openxmlformats.org/officeDocument/2006/relationships" xmlns:p="http://schemas.openxmlformats.org/presentationml/2006/main">
+  <p:cSld>
+    <p:spTree>
+      <p:nvGrpSpPr>
+        <p:cNvPr id="1" name=""/>
+        <p:cNvGrpSpPr/>
+        <p:nvPr/>
+      </p:nvGrpSpPr>
+      <p:grpSpPr>
+        <a:xfrm>
+          <a:off x="0" y="0"/>
+          <a:ext cx="0" cy="0"/>
+          <a:chOff x="0" y="0"/>
+          <a:chExt cx="0" cy="0"/>
+        </a:xfrm>
+      </p:grpSpPr>
+      <p:sp>
+        <p:nvSpPr>
+          <p:cNvPr id="2" name="내용 개체 틀 1">
+            <a:extLst>
+              <a:ext uri="{FF2B5EF4-FFF2-40B4-BE49-F238E27FC236}">
+                <a16:creationId xmlns:a16="http://schemas.microsoft.com/office/drawing/2014/main" id="{1D223E2C-ABA6-42A5-B18B-34780448042F}"/>
+              </a:ext>
+            </a:extLst>
+          </p:cNvPr>
+          <p:cNvSpPr>
+            <a:spLocks noGrp="1"/>
+          </p:cNvSpPr>
+          <p:nvPr>
+            <p:ph idx="1"/>
+          </p:nvPr>
+        </p:nvSpPr>
+        <p:spPr/>
+        <p:txBody>
+          <a:bodyPr/>
+          <a:lstStyle/>
+          <a:p>
+            <a:endParaRPr lang="ko-KR" altLang="en-US"/>
+          </a:p>
+        </p:txBody>
+      </p:sp>
+      <p:pic>
+        <p:nvPicPr>
+          <p:cNvPr id="4" name="그림 3">
+            <a:extLst>
+              <a:ext uri="{FF2B5EF4-FFF2-40B4-BE49-F238E27FC236}">
+                <a16:creationId xmlns:a16="http://schemas.microsoft.com/office/drawing/2014/main" id="{A5FCD053-B4A4-4BC3-ACB7-64828ACB7B27}"/>
+              </a:ext>
+            </a:extLst>
+          </p:cNvPr>
+          <p:cNvPicPr>
+            <a:picLocks noChangeAspect="1"/>
+          </p:cNvPicPr>
+          <p:nvPr/>
+        </p:nvPicPr>
+        <p:blipFill>
+          <a:blip r:embed="rId2"/>
+          <a:stretch>
+            <a:fillRect/>
+          </a:stretch>
+        </p:blipFill>
+        <p:spPr>
+          <a:xfrm>
+            <a:off x="573024" y="0"/>
+            <a:ext cx="11045952" cy="6858000"/>
+          </a:xfrm>
+          <a:prstGeom prst="rect">
+            <a:avLst/>
+          </a:prstGeom>
+        </p:spPr>
+      </p:pic>
+      <p:sp>
+        <p:nvSpPr>
+          <p:cNvPr id="5" name="TextBox 4">
+            <a:extLst>
+              <a:ext uri="{FF2B5EF4-FFF2-40B4-BE49-F238E27FC236}">
+                <a16:creationId xmlns:a16="http://schemas.microsoft.com/office/drawing/2014/main" id="{8EB23751-BDA4-44A3-B54D-A27B56E485A3}"/>
+              </a:ext>
+            </a:extLst>
+          </p:cNvPr>
+          <p:cNvSpPr txBox="1"/>
+          <p:nvPr/>
+        </p:nvSpPr>
+        <p:spPr>
+          <a:xfrm>
+            <a:off x="350982" y="2355273"/>
+            <a:ext cx="1579418" cy="369332"/>
+          </a:xfrm>
+          <a:prstGeom prst="rect">
+            <a:avLst/>
+          </a:prstGeom>
+          <a:noFill/>
+        </p:spPr>
+        <p:txBody>
+          <a:bodyPr wrap="square" rtlCol="0">
+            <a:spAutoFit/>
+          </a:bodyPr>
+          <a:lstStyle/>
+          <a:p>
+            <a:r>
+              <a:rPr lang="en-US" altLang="ko-KR"/>
+              <a:t>2019 </a:t>
+            </a:r>
+            <a:r>
+              <a:rPr lang="ko-KR" altLang="en-US" dirty="0"/>
+              <a:t>피처</a:t>
+            </a:r>
+          </a:p>
+        </p:txBody>
+      </p:sp>
+    </p:spTree>
+    <p:extLst>
+      <p:ext uri="{BB962C8B-B14F-4D97-AF65-F5344CB8AC3E}">
+        <p14:creationId xmlns:p14="http://schemas.microsoft.com/office/powerpoint/2010/main" val="387577586"/>
+      </p:ext>
+    </p:extLst>
+  </p:cSld>
+  <p:clrMapOvr>
+    <a:masterClrMapping/>
+  </p:clrMapOvr>
+</p:sld>
+</file>
+
+<file path=ppt/slides/slide18.xml><?xml version="1.0" encoding="utf-8"?>
+<p:sld xmlns:a="http://schemas.openxmlformats.org/drawingml/2006/main" xmlns:r="http://schemas.openxmlformats.org/officeDocument/2006/relationships" xmlns:p="http://schemas.openxmlformats.org/presentationml/2006/main">
+  <p:cSld>
+    <p:spTree>
+      <p:nvGrpSpPr>
+        <p:cNvPr id="1" name=""/>
+        <p:cNvGrpSpPr/>
+        <p:nvPr/>
+      </p:nvGrpSpPr>
+      <p:grpSpPr>
+        <a:xfrm>
+          <a:off x="0" y="0"/>
+          <a:ext cx="0" cy="0"/>
+          <a:chOff x="0" y="0"/>
+          <a:chExt cx="0" cy="0"/>
+        </a:xfrm>
+      </p:grpSpPr>
+      <p:sp>
+        <p:nvSpPr>
+          <p:cNvPr id="2" name="내용 개체 틀 1">
+            <a:extLst>
+              <a:ext uri="{FF2B5EF4-FFF2-40B4-BE49-F238E27FC236}">
+                <a16:creationId xmlns:a16="http://schemas.microsoft.com/office/drawing/2014/main" id="{D0490BA2-28DC-493E-9CAB-755BE1B94430}"/>
+              </a:ext>
+            </a:extLst>
+          </p:cNvPr>
+          <p:cNvSpPr>
+            <a:spLocks noGrp="1"/>
+          </p:cNvSpPr>
+          <p:nvPr>
+            <p:ph idx="1"/>
+          </p:nvPr>
+        </p:nvSpPr>
+        <p:spPr/>
+        <p:txBody>
+          <a:bodyPr/>
+          <a:lstStyle/>
+          <a:p>
+            <a:endParaRPr lang="ko-KR" altLang="en-US"/>
+          </a:p>
+        </p:txBody>
+      </p:sp>
+      <p:pic>
+        <p:nvPicPr>
+          <p:cNvPr id="4" name="그림 3">
+            <a:extLst>
+              <a:ext uri="{FF2B5EF4-FFF2-40B4-BE49-F238E27FC236}">
+                <a16:creationId xmlns:a16="http://schemas.microsoft.com/office/drawing/2014/main" id="{A21A1CC3-A511-43E6-91BA-B44CB0719F19}"/>
+              </a:ext>
+            </a:extLst>
+          </p:cNvPr>
+          <p:cNvPicPr>
+            <a:picLocks noChangeAspect="1"/>
+          </p:cNvPicPr>
+          <p:nvPr/>
+        </p:nvPicPr>
+        <p:blipFill>
+          <a:blip r:embed="rId2"/>
+          <a:stretch>
+            <a:fillRect/>
+          </a:stretch>
+        </p:blipFill>
+        <p:spPr>
+          <a:xfrm>
+            <a:off x="766482" y="0"/>
+            <a:ext cx="10659035" cy="6858000"/>
+          </a:xfrm>
+          <a:prstGeom prst="rect">
+            <a:avLst/>
+          </a:prstGeom>
+        </p:spPr>
+      </p:pic>
+      <p:sp>
+        <p:nvSpPr>
+          <p:cNvPr id="5" name="TextBox 4">
+            <a:extLst>
+              <a:ext uri="{FF2B5EF4-FFF2-40B4-BE49-F238E27FC236}">
+                <a16:creationId xmlns:a16="http://schemas.microsoft.com/office/drawing/2014/main" id="{2868524A-FCFA-4E9D-99E8-CD5A7270C802}"/>
+              </a:ext>
+            </a:extLst>
+          </p:cNvPr>
+          <p:cNvSpPr txBox="1"/>
+          <p:nvPr/>
+        </p:nvSpPr>
+        <p:spPr>
+          <a:xfrm>
+            <a:off x="350982" y="2355273"/>
+            <a:ext cx="1579418" cy="369332"/>
+          </a:xfrm>
+          <a:prstGeom prst="rect">
+            <a:avLst/>
+          </a:prstGeom>
+          <a:noFill/>
+        </p:spPr>
+        <p:txBody>
+          <a:bodyPr wrap="square" rtlCol="0">
+            <a:spAutoFit/>
+          </a:bodyPr>
+          <a:lstStyle/>
+          <a:p>
+            <a:r>
+              <a:rPr lang="en-US" altLang="ko-KR"/>
+              <a:t>2020 </a:t>
+            </a:r>
+            <a:r>
+              <a:rPr lang="ko-KR" altLang="en-US" dirty="0"/>
+              <a:t>피처</a:t>
+            </a:r>
+          </a:p>
+        </p:txBody>
+      </p:sp>
+    </p:spTree>
+    <p:extLst>
+      <p:ext uri="{BB962C8B-B14F-4D97-AF65-F5344CB8AC3E}">
+        <p14:creationId xmlns:p14="http://schemas.microsoft.com/office/powerpoint/2010/main" val="777742959"/>
+      </p:ext>
+    </p:extLst>
+  </p:cSld>
+  <p:clrMapOvr>
+    <a:masterClrMapping/>
+  </p:clrMapOvr>
+</p:sld>
+</file>
+
 <file path=ppt/slides/slide2.xml><?xml version="1.0" encoding="utf-8"?>
 <p:sld xmlns:a="http://schemas.openxmlformats.org/drawingml/2006/main" xmlns:r="http://schemas.openxmlformats.org/officeDocument/2006/relationships" xmlns:p="http://schemas.openxmlformats.org/presentationml/2006/main">
   <p:cSld>

--- a/부실가계탐지모형.pptx
+++ b/부실가계탐지모형.pptx
@@ -5,7 +5,7 @@
     <p:sldMasterId id="2147483648" r:id="rId1"/>
   </p:sldMasterIdLst>
   <p:notesMasterIdLst>
-    <p:notesMasterId r:id="rId20"/>
+    <p:notesMasterId r:id="rId22"/>
   </p:notesMasterIdLst>
   <p:sldIdLst>
     <p:sldId id="256" r:id="rId2"/>
@@ -26,6 +26,8 @@
     <p:sldId id="279" r:id="rId17"/>
     <p:sldId id="281" r:id="rId18"/>
     <p:sldId id="282" r:id="rId19"/>
+    <p:sldId id="283" r:id="rId20"/>
+    <p:sldId id="284" r:id="rId21"/>
   </p:sldIdLst>
   <p:sldSz cx="12192000" cy="6858000"/>
   <p:notesSz cx="6858000" cy="9144000"/>
@@ -217,7 +219,7 @@
           <a:p>
             <a:fld id="{D3D22880-FDA3-4694-B81F-C1F85F829F39}" type="datetimeFigureOut">
               <a:rPr lang="ko-KR" altLang="en-US" smtClean="0"/>
-              <a:t>2021-05-05</a:t>
+              <a:t>2021-05-09</a:t>
             </a:fld>
             <a:endParaRPr lang="ko-KR" altLang="en-US"/>
           </a:p>
@@ -631,7 +633,7 @@
           <a:p>
             <a:fld id="{93D16A78-2C8A-4F39-AD27-BD8CA3EA2A0D}" type="datetimeFigureOut">
               <a:rPr lang="ko-KR" altLang="en-US" smtClean="0"/>
-              <a:t>2021-05-05</a:t>
+              <a:t>2021-05-09</a:t>
             </a:fld>
             <a:endParaRPr lang="ko-KR" altLang="en-US"/>
           </a:p>
@@ -829,7 +831,7 @@
           <a:p>
             <a:fld id="{93D16A78-2C8A-4F39-AD27-BD8CA3EA2A0D}" type="datetimeFigureOut">
               <a:rPr lang="ko-KR" altLang="en-US" smtClean="0"/>
-              <a:t>2021-05-05</a:t>
+              <a:t>2021-05-09</a:t>
             </a:fld>
             <a:endParaRPr lang="ko-KR" altLang="en-US"/>
           </a:p>
@@ -1037,7 +1039,7 @@
           <a:p>
             <a:fld id="{93D16A78-2C8A-4F39-AD27-BD8CA3EA2A0D}" type="datetimeFigureOut">
               <a:rPr lang="ko-KR" altLang="en-US" smtClean="0"/>
-              <a:t>2021-05-05</a:t>
+              <a:t>2021-05-09</a:t>
             </a:fld>
             <a:endParaRPr lang="ko-KR" altLang="en-US"/>
           </a:p>
@@ -1312,7 +1314,7 @@
           <a:p>
             <a:fld id="{93D16A78-2C8A-4F39-AD27-BD8CA3EA2A0D}" type="datetimeFigureOut">
               <a:rPr lang="ko-KR" altLang="en-US" smtClean="0"/>
-              <a:t>2021-05-05</a:t>
+              <a:t>2021-05-09</a:t>
             </a:fld>
             <a:endParaRPr lang="ko-KR" altLang="en-US"/>
           </a:p>
@@ -1482,7 +1484,7 @@
           <a:p>
             <a:fld id="{93D16A78-2C8A-4F39-AD27-BD8CA3EA2A0D}" type="datetimeFigureOut">
               <a:rPr lang="ko-KR" altLang="en-US" smtClean="0"/>
-              <a:t>2021-05-05</a:t>
+              <a:t>2021-05-09</a:t>
             </a:fld>
             <a:endParaRPr lang="ko-KR" altLang="en-US"/>
           </a:p>
@@ -1747,7 +1749,7 @@
           <a:p>
             <a:fld id="{93D16A78-2C8A-4F39-AD27-BD8CA3EA2A0D}" type="datetimeFigureOut">
               <a:rPr lang="ko-KR" altLang="en-US" smtClean="0"/>
-              <a:t>2021-05-05</a:t>
+              <a:t>2021-05-09</a:t>
             </a:fld>
             <a:endParaRPr lang="ko-KR" altLang="en-US"/>
           </a:p>
@@ -2159,7 +2161,7 @@
           <a:p>
             <a:fld id="{93D16A78-2C8A-4F39-AD27-BD8CA3EA2A0D}" type="datetimeFigureOut">
               <a:rPr lang="ko-KR" altLang="en-US" smtClean="0"/>
-              <a:t>2021-05-05</a:t>
+              <a:t>2021-05-09</a:t>
             </a:fld>
             <a:endParaRPr lang="ko-KR" altLang="en-US"/>
           </a:p>
@@ -2300,7 +2302,7 @@
           <a:p>
             <a:fld id="{93D16A78-2C8A-4F39-AD27-BD8CA3EA2A0D}" type="datetimeFigureOut">
               <a:rPr lang="ko-KR" altLang="en-US" smtClean="0"/>
-              <a:t>2021-05-05</a:t>
+              <a:t>2021-05-09</a:t>
             </a:fld>
             <a:endParaRPr lang="ko-KR" altLang="en-US"/>
           </a:p>
@@ -2413,7 +2415,7 @@
           <a:p>
             <a:fld id="{93D16A78-2C8A-4F39-AD27-BD8CA3EA2A0D}" type="datetimeFigureOut">
               <a:rPr lang="ko-KR" altLang="en-US" smtClean="0"/>
-              <a:t>2021-05-05</a:t>
+              <a:t>2021-05-09</a:t>
             </a:fld>
             <a:endParaRPr lang="ko-KR" altLang="en-US"/>
           </a:p>
@@ -2724,7 +2726,7 @@
           <a:p>
             <a:fld id="{93D16A78-2C8A-4F39-AD27-BD8CA3EA2A0D}" type="datetimeFigureOut">
               <a:rPr lang="ko-KR" altLang="en-US" smtClean="0"/>
-              <a:t>2021-05-05</a:t>
+              <a:t>2021-05-09</a:t>
             </a:fld>
             <a:endParaRPr lang="ko-KR" altLang="en-US"/>
           </a:p>
@@ -3012,7 +3014,7 @@
           <a:p>
             <a:fld id="{93D16A78-2C8A-4F39-AD27-BD8CA3EA2A0D}" type="datetimeFigureOut">
               <a:rPr lang="ko-KR" altLang="en-US" smtClean="0"/>
-              <a:t>2021-05-05</a:t>
+              <a:t>2021-05-09</a:t>
             </a:fld>
             <a:endParaRPr lang="ko-KR" altLang="en-US"/>
           </a:p>
@@ -3253,7 +3255,7 @@
           <a:p>
             <a:fld id="{93D16A78-2C8A-4F39-AD27-BD8CA3EA2A0D}" type="datetimeFigureOut">
               <a:rPr lang="ko-KR" altLang="en-US" smtClean="0"/>
-              <a:t>2021-05-05</a:t>
+              <a:t>2021-05-09</a:t>
             </a:fld>
             <a:endParaRPr lang="ko-KR" altLang="en-US"/>
           </a:p>
@@ -9519,36 +9521,6 @@
           </a:p>
         </p:txBody>
       </p:sp>
-      <p:pic>
-        <p:nvPicPr>
-          <p:cNvPr id="4" name="그림 3">
-            <a:extLst>
-              <a:ext uri="{FF2B5EF4-FFF2-40B4-BE49-F238E27FC236}">
-                <a16:creationId xmlns:a16="http://schemas.microsoft.com/office/drawing/2014/main" id="{A5FCD053-B4A4-4BC3-ACB7-64828ACB7B27}"/>
-              </a:ext>
-            </a:extLst>
-          </p:cNvPr>
-          <p:cNvPicPr>
-            <a:picLocks noChangeAspect="1"/>
-          </p:cNvPicPr>
-          <p:nvPr/>
-        </p:nvPicPr>
-        <p:blipFill>
-          <a:blip r:embed="rId2"/>
-          <a:stretch>
-            <a:fillRect/>
-          </a:stretch>
-        </p:blipFill>
-        <p:spPr>
-          <a:xfrm>
-            <a:off x="573024" y="0"/>
-            <a:ext cx="11045952" cy="6858000"/>
-          </a:xfrm>
-          <a:prstGeom prst="rect">
-            <a:avLst/>
-          </a:prstGeom>
-        </p:spPr>
-      </p:pic>
       <p:sp>
         <p:nvSpPr>
           <p:cNvPr id="5" name="TextBox 4">
@@ -9588,6 +9560,36 @@
           </a:p>
         </p:txBody>
       </p:sp>
+      <p:pic>
+        <p:nvPicPr>
+          <p:cNvPr id="6" name="그림 5">
+            <a:extLst>
+              <a:ext uri="{FF2B5EF4-FFF2-40B4-BE49-F238E27FC236}">
+                <a16:creationId xmlns:a16="http://schemas.microsoft.com/office/drawing/2014/main" id="{E27D7F39-BB98-4AED-83AF-8A1776CD5F35}"/>
+              </a:ext>
+            </a:extLst>
+          </p:cNvPr>
+          <p:cNvPicPr>
+            <a:picLocks noChangeAspect="1"/>
+          </p:cNvPicPr>
+          <p:nvPr/>
+        </p:nvPicPr>
+        <p:blipFill>
+          <a:blip r:embed="rId2"/>
+          <a:stretch>
+            <a:fillRect/>
+          </a:stretch>
+        </p:blipFill>
+        <p:spPr>
+          <a:xfrm>
+            <a:off x="1418897" y="633412"/>
+            <a:ext cx="10649278" cy="5591175"/>
+          </a:xfrm>
+          <a:prstGeom prst="rect">
+            <a:avLst/>
+          </a:prstGeom>
+        </p:spPr>
+      </p:pic>
     </p:spTree>
     <p:extLst>
       <p:ext uri="{BB962C8B-B14F-4D97-AF65-F5344CB8AC3E}">
@@ -9643,36 +9645,6 @@
           </a:p>
         </p:txBody>
       </p:sp>
-      <p:pic>
-        <p:nvPicPr>
-          <p:cNvPr id="4" name="그림 3">
-            <a:extLst>
-              <a:ext uri="{FF2B5EF4-FFF2-40B4-BE49-F238E27FC236}">
-                <a16:creationId xmlns:a16="http://schemas.microsoft.com/office/drawing/2014/main" id="{A21A1CC3-A511-43E6-91BA-B44CB0719F19}"/>
-              </a:ext>
-            </a:extLst>
-          </p:cNvPr>
-          <p:cNvPicPr>
-            <a:picLocks noChangeAspect="1"/>
-          </p:cNvPicPr>
-          <p:nvPr/>
-        </p:nvPicPr>
-        <p:blipFill>
-          <a:blip r:embed="rId2"/>
-          <a:stretch>
-            <a:fillRect/>
-          </a:stretch>
-        </p:blipFill>
-        <p:spPr>
-          <a:xfrm>
-            <a:off x="766482" y="0"/>
-            <a:ext cx="10659035" cy="6858000"/>
-          </a:xfrm>
-          <a:prstGeom prst="rect">
-            <a:avLst/>
-          </a:prstGeom>
-        </p:spPr>
-      </p:pic>
       <p:sp>
         <p:nvSpPr>
           <p:cNvPr id="5" name="TextBox 4">
@@ -9702,7 +9674,7 @@
           <a:lstStyle/>
           <a:p>
             <a:r>
-              <a:rPr lang="en-US" altLang="ko-KR"/>
+              <a:rPr lang="en-US" altLang="ko-KR" dirty="0"/>
               <a:t>2020 </a:t>
             </a:r>
             <a:r>
@@ -9712,10 +9684,1031 @@
           </a:p>
         </p:txBody>
       </p:sp>
+      <p:pic>
+        <p:nvPicPr>
+          <p:cNvPr id="6" name="그림 5">
+            <a:extLst>
+              <a:ext uri="{FF2B5EF4-FFF2-40B4-BE49-F238E27FC236}">
+                <a16:creationId xmlns:a16="http://schemas.microsoft.com/office/drawing/2014/main" id="{72312C6B-2F05-4FE9-980D-435F5F7BEC7F}"/>
+              </a:ext>
+            </a:extLst>
+          </p:cNvPr>
+          <p:cNvPicPr>
+            <a:picLocks noChangeAspect="1"/>
+          </p:cNvPicPr>
+          <p:nvPr/>
+        </p:nvPicPr>
+        <p:blipFill>
+          <a:blip r:embed="rId2"/>
+          <a:stretch>
+            <a:fillRect/>
+          </a:stretch>
+        </p:blipFill>
+        <p:spPr>
+          <a:xfrm>
+            <a:off x="1261241" y="538162"/>
+            <a:ext cx="10906946" cy="5781675"/>
+          </a:xfrm>
+          <a:prstGeom prst="rect">
+            <a:avLst/>
+          </a:prstGeom>
+        </p:spPr>
+      </p:pic>
     </p:spTree>
     <p:extLst>
       <p:ext uri="{BB962C8B-B14F-4D97-AF65-F5344CB8AC3E}">
         <p14:creationId xmlns:p14="http://schemas.microsoft.com/office/powerpoint/2010/main" val="777742959"/>
+      </p:ext>
+    </p:extLst>
+  </p:cSld>
+  <p:clrMapOvr>
+    <a:masterClrMapping/>
+  </p:clrMapOvr>
+</p:sld>
+</file>
+
+<file path=ppt/slides/slide19.xml><?xml version="1.0" encoding="utf-8"?>
+<p:sld xmlns:a="http://schemas.openxmlformats.org/drawingml/2006/main" xmlns:r="http://schemas.openxmlformats.org/officeDocument/2006/relationships" xmlns:p="http://schemas.openxmlformats.org/presentationml/2006/main">
+  <p:cSld>
+    <p:spTree>
+      <p:nvGrpSpPr>
+        <p:cNvPr id="1" name=""/>
+        <p:cNvGrpSpPr/>
+        <p:nvPr/>
+      </p:nvGrpSpPr>
+      <p:grpSpPr>
+        <a:xfrm>
+          <a:off x="0" y="0"/>
+          <a:ext cx="0" cy="0"/>
+          <a:chOff x="0" y="0"/>
+          <a:chExt cx="0" cy="0"/>
+        </a:xfrm>
+      </p:grpSpPr>
+      <p:graphicFrame>
+        <p:nvGraphicFramePr>
+          <p:cNvPr id="3" name="표 3">
+            <a:extLst>
+              <a:ext uri="{FF2B5EF4-FFF2-40B4-BE49-F238E27FC236}">
+                <a16:creationId xmlns:a16="http://schemas.microsoft.com/office/drawing/2014/main" id="{6F0909A2-A25F-4DEF-93EF-6F3026D06FEF}"/>
+              </a:ext>
+            </a:extLst>
+          </p:cNvPr>
+          <p:cNvGraphicFramePr>
+            <a:graphicFrameLocks noGrp="1"/>
+          </p:cNvGraphicFramePr>
+          <p:nvPr>
+            <p:ph idx="1"/>
+            <p:extLst>
+              <p:ext uri="{D42A27DB-BD31-4B8C-83A1-F6EECF244321}">
+                <p14:modId xmlns:p14="http://schemas.microsoft.com/office/powerpoint/2010/main" val="2307233491"/>
+              </p:ext>
+            </p:extLst>
+          </p:nvPr>
+        </p:nvGraphicFramePr>
+        <p:xfrm>
+          <a:off x="441960" y="320040"/>
+          <a:ext cx="10515600" cy="6217920"/>
+        </p:xfrm>
+        <a:graphic>
+          <a:graphicData uri="http://schemas.openxmlformats.org/drawingml/2006/table">
+            <a:tbl>
+              <a:tblPr firstRow="1" bandRow="1">
+                <a:tableStyleId>{5C22544A-7EE6-4342-B048-85BDC9FD1C3A}</a:tableStyleId>
+              </a:tblPr>
+              <a:tblGrid>
+                <a:gridCol w="5257800">
+                  <a:extLst>
+                    <a:ext uri="{9D8B030D-6E8A-4147-A177-3AD203B41FA5}">
+                      <a16:colId xmlns:a16="http://schemas.microsoft.com/office/drawing/2014/main" val="3656633953"/>
+                    </a:ext>
+                  </a:extLst>
+                </a:gridCol>
+                <a:gridCol w="5257800">
+                  <a:extLst>
+                    <a:ext uri="{9D8B030D-6E8A-4147-A177-3AD203B41FA5}">
+                      <a16:colId xmlns:a16="http://schemas.microsoft.com/office/drawing/2014/main" val="1003863760"/>
+                    </a:ext>
+                  </a:extLst>
+                </a:gridCol>
+              </a:tblGrid>
+              <a:tr h="0">
+                <a:tc>
+                  <a:txBody>
+                    <a:bodyPr/>
+                    <a:lstStyle/>
+                    <a:p>
+                      <a:pPr marL="0" marR="0" lvl="0" indent="0" algn="l" defTabSz="914400" rtl="0" eaLnBrk="1" fontAlgn="auto" latinLnBrk="1" hangingPunct="1">
+                        <a:lnSpc>
+                          <a:spcPct val="100000"/>
+                        </a:lnSpc>
+                        <a:spcBef>
+                          <a:spcPts val="0"/>
+                        </a:spcBef>
+                        <a:spcAft>
+                          <a:spcPts val="0"/>
+                        </a:spcAft>
+                        <a:buClrTx/>
+                        <a:buSzTx/>
+                        <a:buFontTx/>
+                        <a:buNone/>
+                        <a:tabLst/>
+                        <a:defRPr/>
+                      </a:pPr>
+                      <a:r>
+                        <a:rPr lang="en-US" altLang="ko-KR" dirty="0"/>
+                        <a:t>2019</a:t>
+                      </a:r>
+                      <a:r>
+                        <a:rPr lang="ko-KR" altLang="en-US" dirty="0"/>
+                        <a:t>피처</a:t>
+                      </a:r>
+                    </a:p>
+                    <a:p>
+                      <a:pPr latinLnBrk="1"/>
+                      <a:endParaRPr lang="ko-KR" altLang="en-US" dirty="0"/>
+                    </a:p>
+                  </a:txBody>
+                  <a:tcPr/>
+                </a:tc>
+                <a:tc>
+                  <a:txBody>
+                    <a:bodyPr/>
+                    <a:lstStyle/>
+                    <a:p>
+                      <a:pPr marL="0" marR="0" lvl="0" indent="0" algn="l" defTabSz="914400" rtl="0" eaLnBrk="1" fontAlgn="auto" latinLnBrk="1" hangingPunct="1">
+                        <a:lnSpc>
+                          <a:spcPct val="100000"/>
+                        </a:lnSpc>
+                        <a:spcBef>
+                          <a:spcPts val="0"/>
+                        </a:spcBef>
+                        <a:spcAft>
+                          <a:spcPts val="0"/>
+                        </a:spcAft>
+                        <a:buClrTx/>
+                        <a:buSzTx/>
+                        <a:buFontTx/>
+                        <a:buNone/>
+                        <a:tabLst/>
+                        <a:defRPr/>
+                      </a:pPr>
+                      <a:r>
+                        <a:rPr lang="en-US" altLang="ko-KR" dirty="0"/>
+                        <a:t>2020</a:t>
+                      </a:r>
+                      <a:r>
+                        <a:rPr lang="ko-KR" altLang="en-US" dirty="0"/>
+                        <a:t>피처</a:t>
+                      </a:r>
+                    </a:p>
+                    <a:p>
+                      <a:pPr latinLnBrk="1"/>
+                      <a:endParaRPr lang="ko-KR" altLang="en-US" dirty="0"/>
+                    </a:p>
+                  </a:txBody>
+                  <a:tcPr/>
+                </a:tc>
+                <a:extLst>
+                  <a:ext uri="{0D108BD9-81ED-4DB2-BD59-A6C34878D82A}">
+                    <a16:rowId xmlns:a16="http://schemas.microsoft.com/office/drawing/2014/main" val="3334831909"/>
+                  </a:ext>
+                </a:extLst>
+              </a:tr>
+              <a:tr h="2058988">
+                <a:tc>
+                  <a:txBody>
+                    <a:bodyPr/>
+                    <a:lstStyle/>
+                    <a:p>
+                      <a:pPr latinLnBrk="1"/>
+                      <a:r>
+                        <a:rPr lang="en-US" altLang="ko-KR" dirty="0"/>
+                        <a:t>1.</a:t>
+                      </a:r>
+                      <a:r>
+                        <a:rPr lang="ko-KR" altLang="en-US" dirty="0"/>
+                        <a:t>담보대출기관 은행</a:t>
+                      </a:r>
+                    </a:p>
+                    <a:p>
+                      <a:pPr latinLnBrk="1"/>
+                      <a:r>
+                        <a:rPr lang="en-US" altLang="ko-KR" dirty="0"/>
+                        <a:t>2.</a:t>
+                      </a:r>
+                      <a:r>
+                        <a:rPr lang="ko-KR" altLang="en-US" dirty="0"/>
+                        <a:t>담보대출용도 거주주택</a:t>
+                      </a:r>
+                    </a:p>
+                    <a:p>
+                      <a:pPr latinLnBrk="1"/>
+                      <a:r>
+                        <a:rPr lang="en-US" altLang="ko-KR" dirty="0"/>
+                        <a:t>3.</a:t>
+                      </a:r>
+                      <a:r>
+                        <a:rPr lang="ko-KR" altLang="en-US" dirty="0"/>
+                        <a:t>신용대출</a:t>
+                      </a:r>
+                    </a:p>
+                    <a:p>
+                      <a:pPr latinLnBrk="1"/>
+                      <a:r>
+                        <a:rPr lang="en-US" altLang="ko-KR" dirty="0"/>
+                        <a:t>4.</a:t>
+                      </a:r>
+                      <a:r>
+                        <a:rPr lang="ko-KR" altLang="en-US" dirty="0"/>
+                        <a:t>신용대출기관 은행</a:t>
+                      </a:r>
+                    </a:p>
+                    <a:p>
+                      <a:pPr latinLnBrk="1"/>
+                      <a:r>
+                        <a:rPr lang="en-US" altLang="ko-KR" dirty="0"/>
+                        <a:t>5</a:t>
+                      </a:r>
+                      <a:r>
+                        <a:rPr lang="ko-KR" altLang="en-US" dirty="0"/>
+                        <a:t>신용대출용도 생활비</a:t>
+                      </a:r>
+                    </a:p>
+                    <a:p>
+                      <a:pPr latinLnBrk="1"/>
+                      <a:r>
+                        <a:rPr lang="en-US" altLang="ko-KR" dirty="0"/>
+                        <a:t>6</a:t>
+                      </a:r>
+                      <a:r>
+                        <a:rPr lang="ko-KR" altLang="en-US" dirty="0"/>
+                        <a:t>담보대출기관 비은행금융기관</a:t>
+                      </a:r>
+                    </a:p>
+                    <a:p>
+                      <a:pPr latinLnBrk="1"/>
+                      <a:r>
+                        <a:rPr lang="en-US" altLang="ko-KR" dirty="0"/>
+                        <a:t>7</a:t>
+                      </a:r>
+                      <a:r>
+                        <a:rPr lang="ko-KR" altLang="en-US" dirty="0"/>
+                        <a:t>담보대출용도 전월세 보증금마련</a:t>
+                      </a:r>
+                    </a:p>
+                    <a:p>
+                      <a:pPr latinLnBrk="1"/>
+                      <a:r>
+                        <a:rPr lang="en-US" altLang="ko-KR" dirty="0"/>
+                        <a:t>8</a:t>
+                      </a:r>
+                      <a:r>
+                        <a:rPr lang="ko-KR" altLang="en-US" dirty="0"/>
+                        <a:t>담보대출용도 사업자금마련</a:t>
+                      </a:r>
+                    </a:p>
+                    <a:p>
+                      <a:pPr latinLnBrk="1"/>
+                      <a:r>
+                        <a:rPr lang="en-US" altLang="ko-KR" dirty="0"/>
+                        <a:t>9</a:t>
+                      </a:r>
+                      <a:r>
+                        <a:rPr lang="ko-KR" altLang="en-US" dirty="0" err="1"/>
+                        <a:t>가구주혼인상태</a:t>
+                      </a:r>
+                      <a:endParaRPr lang="ko-KR" altLang="en-US" dirty="0"/>
+                    </a:p>
+                    <a:p>
+                      <a:pPr latinLnBrk="1"/>
+                      <a:r>
+                        <a:rPr lang="en-US" altLang="ko-KR" dirty="0"/>
+                        <a:t>10</a:t>
+                      </a:r>
+                      <a:r>
+                        <a:rPr lang="ko-KR" altLang="en-US" dirty="0"/>
+                        <a:t>담보대출용도 생활비</a:t>
+                      </a:r>
+                    </a:p>
+                    <a:p>
+                      <a:pPr latinLnBrk="1"/>
+                      <a:r>
+                        <a:rPr lang="en-US" altLang="ko-KR" dirty="0"/>
+                        <a:t>11</a:t>
+                      </a:r>
+                      <a:r>
+                        <a:rPr lang="ko-KR" altLang="en-US" dirty="0"/>
+                        <a:t>수도권여부</a:t>
+                      </a:r>
+                    </a:p>
+                    <a:p>
+                      <a:pPr latinLnBrk="1"/>
+                      <a:r>
+                        <a:rPr lang="en-US" altLang="ko-KR" dirty="0"/>
+                        <a:t>12</a:t>
+                      </a:r>
+                      <a:r>
+                        <a:rPr lang="ko-KR" altLang="en-US" dirty="0"/>
+                        <a:t>가구주교육정도</a:t>
+                      </a:r>
+                    </a:p>
+                    <a:p>
+                      <a:pPr latinLnBrk="1"/>
+                      <a:r>
+                        <a:rPr lang="en-US" altLang="ko-KR" dirty="0"/>
+                        <a:t>13</a:t>
+                      </a:r>
+                      <a:r>
+                        <a:rPr lang="ko-KR" altLang="en-US" dirty="0"/>
+                        <a:t>신용대출용도 사업자금마련</a:t>
+                      </a:r>
+                    </a:p>
+                    <a:p>
+                      <a:pPr latinLnBrk="1"/>
+                      <a:r>
+                        <a:rPr lang="en-US" altLang="ko-KR" dirty="0"/>
+                        <a:t>14</a:t>
+                      </a:r>
+                      <a:r>
+                        <a:rPr lang="ko-KR" altLang="en-US" dirty="0"/>
+                        <a:t>입주형태</a:t>
+                      </a:r>
+                    </a:p>
+                    <a:p>
+                      <a:pPr latinLnBrk="1"/>
+                      <a:r>
+                        <a:rPr lang="en-US" altLang="ko-KR" dirty="0"/>
+                        <a:t>15</a:t>
+                      </a:r>
+                      <a:r>
+                        <a:rPr lang="ko-KR" altLang="en-US" dirty="0" err="1"/>
+                        <a:t>가구주성별</a:t>
+                      </a:r>
+                      <a:endParaRPr lang="ko-KR" altLang="en-US" dirty="0"/>
+                    </a:p>
+                    <a:p>
+                      <a:pPr latinLnBrk="1"/>
+                      <a:r>
+                        <a:rPr lang="en-US" altLang="ko-KR" dirty="0"/>
+                        <a:t>16</a:t>
+                      </a:r>
+                      <a:r>
+                        <a:rPr lang="ko-KR" altLang="en-US" dirty="0"/>
+                        <a:t>담보대출기관 보험회사</a:t>
+                      </a:r>
+                    </a:p>
+                    <a:p>
+                      <a:pPr latinLnBrk="1"/>
+                      <a:r>
+                        <a:rPr lang="en-US" altLang="ko-KR" dirty="0"/>
+                        <a:t>17</a:t>
+                      </a:r>
+                      <a:r>
+                        <a:rPr lang="ko-KR" altLang="en-US" dirty="0"/>
+                        <a:t>담보대출용도 기타</a:t>
+                      </a:r>
+                    </a:p>
+                    <a:p>
+                      <a:pPr latinLnBrk="1"/>
+                      <a:r>
+                        <a:rPr lang="en-US" altLang="ko-KR" dirty="0"/>
+                        <a:t>18</a:t>
+                      </a:r>
+                      <a:r>
+                        <a:rPr lang="ko-KR" altLang="en-US" dirty="0"/>
+                        <a:t>신용대출기관 기타</a:t>
+                      </a:r>
+                    </a:p>
+                    <a:p>
+                      <a:pPr latinLnBrk="1"/>
+                      <a:r>
+                        <a:rPr lang="en-US" altLang="ko-KR" dirty="0"/>
+                        <a:t>19</a:t>
+                      </a:r>
+                      <a:r>
+                        <a:rPr lang="ko-KR" altLang="en-US" dirty="0"/>
+                        <a:t>담보대출용도 거주주택이외 부동산</a:t>
+                      </a:r>
+                    </a:p>
+                    <a:p>
+                      <a:pPr latinLnBrk="1"/>
+                      <a:r>
+                        <a:rPr lang="en-US" altLang="ko-KR" dirty="0"/>
+                        <a:t>20</a:t>
+                      </a:r>
+                      <a:r>
+                        <a:rPr lang="ko-KR" altLang="en-US" dirty="0" err="1"/>
+                        <a:t>신용대추루용도</a:t>
+                      </a:r>
+                      <a:r>
+                        <a:rPr lang="ko-KR" altLang="en-US" dirty="0"/>
+                        <a:t> 기타</a:t>
+                      </a:r>
+                    </a:p>
+                  </a:txBody>
+                  <a:tcPr/>
+                </a:tc>
+                <a:tc>
+                  <a:txBody>
+                    <a:bodyPr/>
+                    <a:lstStyle/>
+                    <a:p>
+                      <a:pPr latinLnBrk="1"/>
+                      <a:r>
+                        <a:rPr lang="en-US" altLang="ko-KR" dirty="0"/>
+                        <a:t>1.</a:t>
+                      </a:r>
+                      <a:r>
+                        <a:rPr lang="ko-KR" altLang="en-US" dirty="0"/>
+                        <a:t>담보대출기관 은행</a:t>
+                      </a:r>
+                    </a:p>
+                    <a:p>
+                      <a:pPr latinLnBrk="1"/>
+                      <a:r>
+                        <a:rPr lang="en-US" altLang="ko-KR" dirty="0"/>
+                        <a:t>2.</a:t>
+                      </a:r>
+                      <a:r>
+                        <a:rPr lang="ko-KR" altLang="en-US" dirty="0"/>
+                        <a:t>담보대출용도 거주주택</a:t>
+                      </a:r>
+                    </a:p>
+                    <a:p>
+                      <a:pPr latinLnBrk="1"/>
+                      <a:r>
+                        <a:rPr lang="en-US" altLang="ko-KR" dirty="0"/>
+                        <a:t>3.</a:t>
+                      </a:r>
+                      <a:r>
+                        <a:rPr lang="ko-KR" altLang="en-US" dirty="0"/>
+                        <a:t>신용대출</a:t>
+                      </a:r>
+                    </a:p>
+                    <a:p>
+                      <a:pPr latinLnBrk="1"/>
+                      <a:r>
+                        <a:rPr lang="en-US" altLang="ko-KR" dirty="0"/>
+                        <a:t>4.</a:t>
+                      </a:r>
+                      <a:r>
+                        <a:rPr lang="ko-KR" altLang="en-US" dirty="0"/>
+                        <a:t>담보대출기관 비은행금융기관</a:t>
+                      </a:r>
+                    </a:p>
+                    <a:p>
+                      <a:pPr latinLnBrk="1"/>
+                      <a:r>
+                        <a:rPr lang="en-US" altLang="ko-KR" dirty="0"/>
+                        <a:t>5</a:t>
+                      </a:r>
+                      <a:r>
+                        <a:rPr lang="ko-KR" altLang="en-US" dirty="0"/>
+                        <a:t>담보대출용도 </a:t>
+                      </a:r>
+                      <a:r>
+                        <a:rPr lang="ko-KR" altLang="en-US" dirty="0" err="1"/>
+                        <a:t>사엉ㅂ자금</a:t>
+                      </a:r>
+                      <a:r>
+                        <a:rPr lang="ko-KR" altLang="en-US" dirty="0"/>
+                        <a:t> 마련</a:t>
+                      </a:r>
+                    </a:p>
+                    <a:p>
+                      <a:pPr latinLnBrk="1"/>
+                      <a:r>
+                        <a:rPr lang="en-US" altLang="ko-KR" dirty="0"/>
+                        <a:t>6</a:t>
+                      </a:r>
+                      <a:r>
+                        <a:rPr lang="ko-KR" altLang="en-US" dirty="0"/>
+                        <a:t>신용대출기관 은행</a:t>
+                      </a:r>
+                    </a:p>
+                    <a:p>
+                      <a:pPr latinLnBrk="1"/>
+                      <a:r>
+                        <a:rPr lang="en-US" altLang="ko-KR" dirty="0"/>
+                        <a:t>7</a:t>
+                      </a:r>
+                      <a:r>
+                        <a:rPr lang="ko-KR" altLang="en-US" dirty="0"/>
+                        <a:t>신용대출용도 생활비</a:t>
+                      </a:r>
+                    </a:p>
+                    <a:p>
+                      <a:pPr latinLnBrk="1"/>
+                      <a:r>
+                        <a:rPr lang="en-US" altLang="ko-KR" dirty="0"/>
+                        <a:t>8</a:t>
+                      </a:r>
+                      <a:r>
+                        <a:rPr lang="ko-KR" altLang="en-US" dirty="0"/>
+                        <a:t>가구주 혼인상태</a:t>
+                      </a:r>
+                    </a:p>
+                    <a:p>
+                      <a:pPr latinLnBrk="1"/>
+                      <a:r>
+                        <a:rPr lang="en-US" altLang="ko-KR" dirty="0"/>
+                        <a:t>9</a:t>
+                      </a:r>
+                      <a:r>
+                        <a:rPr lang="ko-KR" altLang="en-US" dirty="0"/>
+                        <a:t>담보대출용도 생활비</a:t>
+                      </a:r>
+                    </a:p>
+                    <a:p>
+                      <a:pPr latinLnBrk="1"/>
+                      <a:r>
+                        <a:rPr lang="en-US" altLang="ko-KR" dirty="0"/>
+                        <a:t>10</a:t>
+                      </a:r>
+                      <a:r>
+                        <a:rPr lang="ko-KR" altLang="en-US" dirty="0"/>
+                        <a:t>가구주교육정도</a:t>
+                      </a:r>
+                    </a:p>
+                    <a:p>
+                      <a:pPr latinLnBrk="1"/>
+                      <a:r>
+                        <a:rPr lang="en-US" altLang="ko-KR" dirty="0"/>
+                        <a:t>11</a:t>
+                      </a:r>
+                      <a:r>
+                        <a:rPr lang="ko-KR" altLang="en-US" dirty="0"/>
+                        <a:t>담보대출용도 전월세보증금</a:t>
+                      </a:r>
+                    </a:p>
+                    <a:p>
+                      <a:pPr latinLnBrk="1"/>
+                      <a:r>
+                        <a:rPr lang="en-US" altLang="ko-KR" dirty="0"/>
+                        <a:t>12</a:t>
+                      </a:r>
+                      <a:r>
+                        <a:rPr lang="ko-KR" altLang="en-US" dirty="0"/>
+                        <a:t>수도권여부</a:t>
+                      </a:r>
+                    </a:p>
+                    <a:p>
+                      <a:pPr latinLnBrk="1"/>
+                      <a:r>
+                        <a:rPr lang="en-US" altLang="ko-KR" dirty="0"/>
+                        <a:t>13</a:t>
+                      </a:r>
+                      <a:r>
+                        <a:rPr lang="ko-KR" altLang="en-US" dirty="0"/>
+                        <a:t>담보대출용도 거주주택이외 부동산</a:t>
+                      </a:r>
+                    </a:p>
+                    <a:p>
+                      <a:pPr latinLnBrk="1"/>
+                      <a:r>
+                        <a:rPr lang="en-US" altLang="ko-KR" dirty="0"/>
+                        <a:t>14</a:t>
+                      </a:r>
+                      <a:r>
+                        <a:rPr lang="ko-KR" altLang="en-US" dirty="0" err="1"/>
+                        <a:t>가구주성별</a:t>
+                      </a:r>
+                      <a:endParaRPr lang="ko-KR" altLang="en-US" dirty="0"/>
+                    </a:p>
+                    <a:p>
+                      <a:pPr latinLnBrk="1"/>
+                      <a:r>
+                        <a:rPr lang="en-US" altLang="ko-KR" dirty="0"/>
+                        <a:t>15</a:t>
+                      </a:r>
+                      <a:r>
+                        <a:rPr lang="ko-KR" altLang="en-US" dirty="0"/>
+                        <a:t>입주형태</a:t>
+                      </a:r>
+                    </a:p>
+                    <a:p>
+                      <a:pPr latinLnBrk="1"/>
+                      <a:r>
+                        <a:rPr lang="en-US" altLang="ko-KR" dirty="0"/>
+                        <a:t>16</a:t>
+                      </a:r>
+                      <a:r>
+                        <a:rPr lang="ko-KR" altLang="en-US" dirty="0"/>
+                        <a:t>신용대출용도 사업자금</a:t>
+                      </a:r>
+                    </a:p>
+                    <a:p>
+                      <a:pPr latinLnBrk="1"/>
+                      <a:r>
+                        <a:rPr lang="en-US" altLang="ko-KR" dirty="0"/>
+                        <a:t>17</a:t>
+                      </a:r>
+                      <a:r>
+                        <a:rPr lang="ko-KR" altLang="en-US" dirty="0"/>
+                        <a:t>담보대출기관 보험회사</a:t>
+                      </a:r>
+                    </a:p>
+                    <a:p>
+                      <a:pPr latinLnBrk="1"/>
+                      <a:r>
+                        <a:rPr lang="en-US" altLang="ko-KR" dirty="0"/>
+                        <a:t>18</a:t>
+                      </a:r>
+                      <a:r>
+                        <a:rPr lang="ko-KR" altLang="en-US" dirty="0"/>
+                        <a:t>담보대출용도 기타</a:t>
+                      </a:r>
+                    </a:p>
+                    <a:p>
+                      <a:pPr latinLnBrk="1"/>
+                      <a:r>
+                        <a:rPr lang="en-US" altLang="ko-KR" dirty="0"/>
+                        <a:t>19</a:t>
+                      </a:r>
+                      <a:r>
+                        <a:rPr lang="ko-KR" altLang="en-US" dirty="0"/>
+                        <a:t>신용대출기관 기타</a:t>
+                      </a:r>
+                    </a:p>
+                    <a:p>
+                      <a:pPr latinLnBrk="1"/>
+                      <a:r>
+                        <a:rPr lang="en-US" altLang="ko-KR" dirty="0"/>
+                        <a:t>20</a:t>
+                      </a:r>
+                      <a:r>
+                        <a:rPr lang="ko-KR" altLang="en-US" dirty="0"/>
+                        <a:t>신용대출용도 기타</a:t>
+                      </a:r>
+                    </a:p>
+                  </a:txBody>
+                  <a:tcPr/>
+                </a:tc>
+                <a:extLst>
+                  <a:ext uri="{0D108BD9-81ED-4DB2-BD59-A6C34878D82A}">
+                    <a16:rowId xmlns:a16="http://schemas.microsoft.com/office/drawing/2014/main" val="2850781683"/>
+                  </a:ext>
+                </a:extLst>
+              </a:tr>
+            </a:tbl>
+          </a:graphicData>
+        </a:graphic>
+      </p:graphicFrame>
+      <p:cxnSp>
+        <p:nvCxnSpPr>
+          <p:cNvPr id="6" name="직선 화살표 연결선 5">
+            <a:extLst>
+              <a:ext uri="{FF2B5EF4-FFF2-40B4-BE49-F238E27FC236}">
+                <a16:creationId xmlns:a16="http://schemas.microsoft.com/office/drawing/2014/main" id="{09DC8047-3430-4DD8-902B-44D9059EBC55}"/>
+              </a:ext>
+            </a:extLst>
+          </p:cNvPr>
+          <p:cNvCxnSpPr/>
+          <p:nvPr/>
+        </p:nvCxnSpPr>
+        <p:spPr>
+          <a:xfrm flipV="1">
+            <a:off x="3942080" y="1971040"/>
+            <a:ext cx="1676400" cy="538480"/>
+          </a:xfrm>
+          <a:prstGeom prst="straightConnector1">
+            <a:avLst/>
+          </a:prstGeom>
+          <a:ln>
+            <a:tailEnd type="triangle"/>
+          </a:ln>
+        </p:spPr>
+        <p:style>
+          <a:lnRef idx="1">
+            <a:schemeClr val="accent1"/>
+          </a:lnRef>
+          <a:fillRef idx="0">
+            <a:schemeClr val="accent1"/>
+          </a:fillRef>
+          <a:effectRef idx="0">
+            <a:schemeClr val="accent1"/>
+          </a:effectRef>
+          <a:fontRef idx="minor">
+            <a:schemeClr val="tx1"/>
+          </a:fontRef>
+        </p:style>
+      </p:cxnSp>
+      <p:cxnSp>
+        <p:nvCxnSpPr>
+          <p:cNvPr id="8" name="직선 화살표 연결선 7">
+            <a:extLst>
+              <a:ext uri="{FF2B5EF4-FFF2-40B4-BE49-F238E27FC236}">
+                <a16:creationId xmlns:a16="http://schemas.microsoft.com/office/drawing/2014/main" id="{31CE5FEA-64B5-4CFF-A7BA-492A79E5F22E}"/>
+              </a:ext>
+            </a:extLst>
+          </p:cNvPr>
+          <p:cNvCxnSpPr/>
+          <p:nvPr/>
+        </p:nvCxnSpPr>
+        <p:spPr>
+          <a:xfrm flipV="1">
+            <a:off x="3525520" y="2255520"/>
+            <a:ext cx="2174240" cy="822960"/>
+          </a:xfrm>
+          <a:prstGeom prst="straightConnector1">
+            <a:avLst/>
+          </a:prstGeom>
+          <a:ln>
+            <a:tailEnd type="triangle"/>
+          </a:ln>
+        </p:spPr>
+        <p:style>
+          <a:lnRef idx="1">
+            <a:schemeClr val="accent1"/>
+          </a:lnRef>
+          <a:fillRef idx="0">
+            <a:schemeClr val="accent1"/>
+          </a:fillRef>
+          <a:effectRef idx="0">
+            <a:schemeClr val="accent1"/>
+          </a:effectRef>
+          <a:fontRef idx="minor">
+            <a:schemeClr val="tx1"/>
+          </a:fontRef>
+        </p:style>
+      </p:cxnSp>
+      <p:cxnSp>
+        <p:nvCxnSpPr>
+          <p:cNvPr id="10" name="직선 화살표 연결선 9">
+            <a:extLst>
+              <a:ext uri="{FF2B5EF4-FFF2-40B4-BE49-F238E27FC236}">
+                <a16:creationId xmlns:a16="http://schemas.microsoft.com/office/drawing/2014/main" id="{C8642814-9070-4EA4-9874-C4A5C5FF9608}"/>
+              </a:ext>
+            </a:extLst>
+          </p:cNvPr>
+          <p:cNvCxnSpPr/>
+          <p:nvPr/>
+        </p:nvCxnSpPr>
+        <p:spPr>
+          <a:xfrm>
+            <a:off x="3688080" y="1869440"/>
+            <a:ext cx="1930400" cy="640080"/>
+          </a:xfrm>
+          <a:prstGeom prst="straightConnector1">
+            <a:avLst/>
+          </a:prstGeom>
+          <a:ln>
+            <a:tailEnd type="triangle"/>
+          </a:ln>
+        </p:spPr>
+        <p:style>
+          <a:lnRef idx="1">
+            <a:schemeClr val="accent1"/>
+          </a:lnRef>
+          <a:fillRef idx="0">
+            <a:schemeClr val="accent1"/>
+          </a:fillRef>
+          <a:effectRef idx="0">
+            <a:schemeClr val="accent1"/>
+          </a:effectRef>
+          <a:fontRef idx="minor">
+            <a:schemeClr val="tx1"/>
+          </a:fontRef>
+        </p:style>
+      </p:cxnSp>
+      <p:cxnSp>
+        <p:nvCxnSpPr>
+          <p:cNvPr id="12" name="직선 화살표 연결선 11">
+            <a:extLst>
+              <a:ext uri="{FF2B5EF4-FFF2-40B4-BE49-F238E27FC236}">
+                <a16:creationId xmlns:a16="http://schemas.microsoft.com/office/drawing/2014/main" id="{05801C23-6571-4355-A97F-7404407886E0}"/>
+              </a:ext>
+            </a:extLst>
+          </p:cNvPr>
+          <p:cNvCxnSpPr/>
+          <p:nvPr/>
+        </p:nvCxnSpPr>
+        <p:spPr>
+          <a:xfrm>
+            <a:off x="3942080" y="2240280"/>
+            <a:ext cx="1676400" cy="513080"/>
+          </a:xfrm>
+          <a:prstGeom prst="straightConnector1">
+            <a:avLst/>
+          </a:prstGeom>
+          <a:ln>
+            <a:tailEnd type="triangle"/>
+          </a:ln>
+        </p:spPr>
+        <p:style>
+          <a:lnRef idx="1">
+            <a:schemeClr val="accent1"/>
+          </a:lnRef>
+          <a:fillRef idx="0">
+            <a:schemeClr val="accent1"/>
+          </a:fillRef>
+          <a:effectRef idx="0">
+            <a:schemeClr val="accent1"/>
+          </a:effectRef>
+          <a:fontRef idx="minor">
+            <a:schemeClr val="tx1"/>
+          </a:fontRef>
+        </p:style>
+      </p:cxnSp>
+      <p:cxnSp>
+        <p:nvCxnSpPr>
+          <p:cNvPr id="14" name="직선 화살표 연결선 13">
+            <a:extLst>
+              <a:ext uri="{FF2B5EF4-FFF2-40B4-BE49-F238E27FC236}">
+                <a16:creationId xmlns:a16="http://schemas.microsoft.com/office/drawing/2014/main" id="{8F86BFBB-C6CD-44F1-9A81-31EEEB5F161A}"/>
+              </a:ext>
+            </a:extLst>
+          </p:cNvPr>
+          <p:cNvCxnSpPr/>
+          <p:nvPr/>
+        </p:nvCxnSpPr>
+        <p:spPr>
+          <a:xfrm flipV="1">
+            <a:off x="3444240" y="3078480"/>
+            <a:ext cx="2174240" cy="284480"/>
+          </a:xfrm>
+          <a:prstGeom prst="straightConnector1">
+            <a:avLst/>
+          </a:prstGeom>
+          <a:ln>
+            <a:tailEnd type="triangle"/>
+          </a:ln>
+        </p:spPr>
+        <p:style>
+          <a:lnRef idx="1">
+            <a:schemeClr val="accent1"/>
+          </a:lnRef>
+          <a:fillRef idx="0">
+            <a:schemeClr val="accent1"/>
+          </a:fillRef>
+          <a:effectRef idx="0">
+            <a:schemeClr val="accent1"/>
+          </a:effectRef>
+          <a:fontRef idx="minor">
+            <a:schemeClr val="tx1"/>
+          </a:fontRef>
+        </p:style>
+      </p:cxnSp>
+      <p:cxnSp>
+        <p:nvCxnSpPr>
+          <p:cNvPr id="16" name="직선 화살표 연결선 15">
+            <a:extLst>
+              <a:ext uri="{FF2B5EF4-FFF2-40B4-BE49-F238E27FC236}">
+                <a16:creationId xmlns:a16="http://schemas.microsoft.com/office/drawing/2014/main" id="{098996ED-2215-4656-939A-A7FEED83C812}"/>
+              </a:ext>
+            </a:extLst>
+          </p:cNvPr>
+          <p:cNvCxnSpPr/>
+          <p:nvPr/>
+        </p:nvCxnSpPr>
+        <p:spPr>
+          <a:xfrm flipV="1">
+            <a:off x="3525520" y="3281680"/>
+            <a:ext cx="2174240" cy="335280"/>
+          </a:xfrm>
+          <a:prstGeom prst="straightConnector1">
+            <a:avLst/>
+          </a:prstGeom>
+          <a:ln>
+            <a:tailEnd type="triangle"/>
+          </a:ln>
+        </p:spPr>
+        <p:style>
+          <a:lnRef idx="1">
+            <a:schemeClr val="accent1"/>
+          </a:lnRef>
+          <a:fillRef idx="0">
+            <a:schemeClr val="accent1"/>
+          </a:fillRef>
+          <a:effectRef idx="0">
+            <a:schemeClr val="accent1"/>
+          </a:effectRef>
+          <a:fontRef idx="minor">
+            <a:schemeClr val="tx1"/>
+          </a:fontRef>
+        </p:style>
+      </p:cxnSp>
+      <p:cxnSp>
+        <p:nvCxnSpPr>
+          <p:cNvPr id="18" name="직선 화살표 연결선 17">
+            <a:extLst>
+              <a:ext uri="{FF2B5EF4-FFF2-40B4-BE49-F238E27FC236}">
+                <a16:creationId xmlns:a16="http://schemas.microsoft.com/office/drawing/2014/main" id="{0F0FFC05-074D-4493-8617-8BE8E1217F02}"/>
+              </a:ext>
+            </a:extLst>
+          </p:cNvPr>
+          <p:cNvCxnSpPr/>
+          <p:nvPr/>
+        </p:nvCxnSpPr>
+        <p:spPr>
+          <a:xfrm flipV="1">
+            <a:off x="3525520" y="3576320"/>
+            <a:ext cx="2174240" cy="596900"/>
+          </a:xfrm>
+          <a:prstGeom prst="straightConnector1">
+            <a:avLst/>
+          </a:prstGeom>
+          <a:ln>
+            <a:tailEnd type="triangle"/>
+          </a:ln>
+        </p:spPr>
+        <p:style>
+          <a:lnRef idx="1">
+            <a:schemeClr val="accent1"/>
+          </a:lnRef>
+          <a:fillRef idx="0">
+            <a:schemeClr val="accent1"/>
+          </a:fillRef>
+          <a:effectRef idx="0">
+            <a:schemeClr val="accent1"/>
+          </a:effectRef>
+          <a:fontRef idx="minor">
+            <a:schemeClr val="tx1"/>
+          </a:fontRef>
+        </p:style>
+      </p:cxnSp>
+      <p:cxnSp>
+        <p:nvCxnSpPr>
+          <p:cNvPr id="20" name="직선 화살표 연결선 19">
+            <a:extLst>
+              <a:ext uri="{FF2B5EF4-FFF2-40B4-BE49-F238E27FC236}">
+                <a16:creationId xmlns:a16="http://schemas.microsoft.com/office/drawing/2014/main" id="{CCA2618C-0516-452E-AAF4-40B7C5607502}"/>
+              </a:ext>
+            </a:extLst>
+          </p:cNvPr>
+          <p:cNvCxnSpPr/>
+          <p:nvPr/>
+        </p:nvCxnSpPr>
+        <p:spPr>
+          <a:xfrm>
+            <a:off x="4023360" y="2712720"/>
+            <a:ext cx="1676400" cy="1188720"/>
+          </a:xfrm>
+          <a:prstGeom prst="straightConnector1">
+            <a:avLst/>
+          </a:prstGeom>
+          <a:ln>
+            <a:tailEnd type="triangle"/>
+          </a:ln>
+        </p:spPr>
+        <p:style>
+          <a:lnRef idx="1">
+            <a:schemeClr val="accent1"/>
+          </a:lnRef>
+          <a:fillRef idx="0">
+            <a:schemeClr val="accent1"/>
+          </a:fillRef>
+          <a:effectRef idx="0">
+            <a:schemeClr val="accent1"/>
+          </a:effectRef>
+          <a:fontRef idx="minor">
+            <a:schemeClr val="tx1"/>
+          </a:fontRef>
+        </p:style>
+      </p:cxnSp>
+      <p:cxnSp>
+        <p:nvCxnSpPr>
+          <p:cNvPr id="22" name="직선 화살표 연결선 21">
+            <a:extLst>
+              <a:ext uri="{FF2B5EF4-FFF2-40B4-BE49-F238E27FC236}">
+                <a16:creationId xmlns:a16="http://schemas.microsoft.com/office/drawing/2014/main" id="{24A7344F-C313-48A6-BE7A-E7E2F1527DAF}"/>
+              </a:ext>
+            </a:extLst>
+          </p:cNvPr>
+          <p:cNvCxnSpPr/>
+          <p:nvPr/>
+        </p:nvCxnSpPr>
+        <p:spPr>
+          <a:xfrm flipV="1">
+            <a:off x="4531360" y="4445000"/>
+            <a:ext cx="1168400" cy="1661160"/>
+          </a:xfrm>
+          <a:prstGeom prst="straightConnector1">
+            <a:avLst/>
+          </a:prstGeom>
+          <a:ln>
+            <a:tailEnd type="triangle"/>
+          </a:ln>
+        </p:spPr>
+        <p:style>
+          <a:lnRef idx="1">
+            <a:schemeClr val="accent1"/>
+          </a:lnRef>
+          <a:fillRef idx="0">
+            <a:schemeClr val="accent1"/>
+          </a:fillRef>
+          <a:effectRef idx="0">
+            <a:schemeClr val="accent1"/>
+          </a:effectRef>
+          <a:fontRef idx="minor">
+            <a:schemeClr val="tx1"/>
+          </a:fontRef>
+        </p:style>
+      </p:cxnSp>
+    </p:spTree>
+    <p:extLst>
+      <p:ext uri="{BB962C8B-B14F-4D97-AF65-F5344CB8AC3E}">
+        <p14:creationId xmlns:p14="http://schemas.microsoft.com/office/powerpoint/2010/main" val="95400539"/>
       </p:ext>
     </p:extLst>
   </p:cSld>
@@ -10096,6 +11089,61 @@
     <p:extLst>
       <p:ext uri="{BB962C8B-B14F-4D97-AF65-F5344CB8AC3E}">
         <p14:creationId xmlns:p14="http://schemas.microsoft.com/office/powerpoint/2010/main" val="3854971736"/>
+      </p:ext>
+    </p:extLst>
+  </p:cSld>
+  <p:clrMapOvr>
+    <a:masterClrMapping/>
+  </p:clrMapOvr>
+</p:sld>
+</file>
+
+<file path=ppt/slides/slide20.xml><?xml version="1.0" encoding="utf-8"?>
+<p:sld xmlns:a="http://schemas.openxmlformats.org/drawingml/2006/main" xmlns:r="http://schemas.openxmlformats.org/officeDocument/2006/relationships" xmlns:p="http://schemas.openxmlformats.org/presentationml/2006/main">
+  <p:cSld>
+    <p:spTree>
+      <p:nvGrpSpPr>
+        <p:cNvPr id="1" name=""/>
+        <p:cNvGrpSpPr/>
+        <p:nvPr/>
+      </p:nvGrpSpPr>
+      <p:grpSpPr>
+        <a:xfrm>
+          <a:off x="0" y="0"/>
+          <a:ext cx="0" cy="0"/>
+          <a:chOff x="0" y="0"/>
+          <a:chExt cx="0" cy="0"/>
+        </a:xfrm>
+      </p:grpSpPr>
+      <p:sp>
+        <p:nvSpPr>
+          <p:cNvPr id="2" name="내용 개체 틀 1">
+            <a:extLst>
+              <a:ext uri="{FF2B5EF4-FFF2-40B4-BE49-F238E27FC236}">
+                <a16:creationId xmlns:a16="http://schemas.microsoft.com/office/drawing/2014/main" id="{E4827F83-7455-4365-A8C2-10771D593641}"/>
+              </a:ext>
+            </a:extLst>
+          </p:cNvPr>
+          <p:cNvSpPr>
+            <a:spLocks noGrp="1"/>
+          </p:cNvSpPr>
+          <p:nvPr>
+            <p:ph idx="1"/>
+          </p:nvPr>
+        </p:nvSpPr>
+        <p:spPr/>
+        <p:txBody>
+          <a:bodyPr/>
+          <a:lstStyle/>
+          <a:p>
+            <a:endParaRPr lang="ko-KR" altLang="en-US"/>
+          </a:p>
+        </p:txBody>
+      </p:sp>
+    </p:spTree>
+    <p:extLst>
+      <p:ext uri="{BB962C8B-B14F-4D97-AF65-F5344CB8AC3E}">
+        <p14:creationId xmlns:p14="http://schemas.microsoft.com/office/powerpoint/2010/main" val="1537539504"/>
       </p:ext>
     </p:extLst>
   </p:cSld>

--- a/부실가계탐지모형.pptx
+++ b/부실가계탐지모형.pptx
@@ -26,8 +26,8 @@
     <p:sldId id="279" r:id="rId17"/>
     <p:sldId id="281" r:id="rId18"/>
     <p:sldId id="282" r:id="rId19"/>
-    <p:sldId id="283" r:id="rId20"/>
-    <p:sldId id="284" r:id="rId21"/>
+    <p:sldId id="284" r:id="rId20"/>
+    <p:sldId id="283" r:id="rId21"/>
   </p:sldIdLst>
   <p:sldSz cx="12192000" cy="6858000"/>
   <p:notesSz cx="6858000" cy="9144000"/>
@@ -219,7 +219,7 @@
           <a:p>
             <a:fld id="{D3D22880-FDA3-4694-B81F-C1F85F829F39}" type="datetimeFigureOut">
               <a:rPr lang="ko-KR" altLang="en-US" smtClean="0"/>
-              <a:t>2021-05-09</a:t>
+              <a:t>2021-05-20</a:t>
             </a:fld>
             <a:endParaRPr lang="ko-KR" altLang="en-US"/>
           </a:p>
@@ -633,7 +633,7 @@
           <a:p>
             <a:fld id="{93D16A78-2C8A-4F39-AD27-BD8CA3EA2A0D}" type="datetimeFigureOut">
               <a:rPr lang="ko-KR" altLang="en-US" smtClean="0"/>
-              <a:t>2021-05-09</a:t>
+              <a:t>2021-05-20</a:t>
             </a:fld>
             <a:endParaRPr lang="ko-KR" altLang="en-US"/>
           </a:p>
@@ -831,7 +831,7 @@
           <a:p>
             <a:fld id="{93D16A78-2C8A-4F39-AD27-BD8CA3EA2A0D}" type="datetimeFigureOut">
               <a:rPr lang="ko-KR" altLang="en-US" smtClean="0"/>
-              <a:t>2021-05-09</a:t>
+              <a:t>2021-05-20</a:t>
             </a:fld>
             <a:endParaRPr lang="ko-KR" altLang="en-US"/>
           </a:p>
@@ -1039,7 +1039,7 @@
           <a:p>
             <a:fld id="{93D16A78-2C8A-4F39-AD27-BD8CA3EA2A0D}" type="datetimeFigureOut">
               <a:rPr lang="ko-KR" altLang="en-US" smtClean="0"/>
-              <a:t>2021-05-09</a:t>
+              <a:t>2021-05-20</a:t>
             </a:fld>
             <a:endParaRPr lang="ko-KR" altLang="en-US"/>
           </a:p>
@@ -1314,7 +1314,7 @@
           <a:p>
             <a:fld id="{93D16A78-2C8A-4F39-AD27-BD8CA3EA2A0D}" type="datetimeFigureOut">
               <a:rPr lang="ko-KR" altLang="en-US" smtClean="0"/>
-              <a:t>2021-05-09</a:t>
+              <a:t>2021-05-20</a:t>
             </a:fld>
             <a:endParaRPr lang="ko-KR" altLang="en-US"/>
           </a:p>
@@ -1484,7 +1484,7 @@
           <a:p>
             <a:fld id="{93D16A78-2C8A-4F39-AD27-BD8CA3EA2A0D}" type="datetimeFigureOut">
               <a:rPr lang="ko-KR" altLang="en-US" smtClean="0"/>
-              <a:t>2021-05-09</a:t>
+              <a:t>2021-05-20</a:t>
             </a:fld>
             <a:endParaRPr lang="ko-KR" altLang="en-US"/>
           </a:p>
@@ -1749,7 +1749,7 @@
           <a:p>
             <a:fld id="{93D16A78-2C8A-4F39-AD27-BD8CA3EA2A0D}" type="datetimeFigureOut">
               <a:rPr lang="ko-KR" altLang="en-US" smtClean="0"/>
-              <a:t>2021-05-09</a:t>
+              <a:t>2021-05-20</a:t>
             </a:fld>
             <a:endParaRPr lang="ko-KR" altLang="en-US"/>
           </a:p>
@@ -2161,7 +2161,7 @@
           <a:p>
             <a:fld id="{93D16A78-2C8A-4F39-AD27-BD8CA3EA2A0D}" type="datetimeFigureOut">
               <a:rPr lang="ko-KR" altLang="en-US" smtClean="0"/>
-              <a:t>2021-05-09</a:t>
+              <a:t>2021-05-20</a:t>
             </a:fld>
             <a:endParaRPr lang="ko-KR" altLang="en-US"/>
           </a:p>
@@ -2302,7 +2302,7 @@
           <a:p>
             <a:fld id="{93D16A78-2C8A-4F39-AD27-BD8CA3EA2A0D}" type="datetimeFigureOut">
               <a:rPr lang="ko-KR" altLang="en-US" smtClean="0"/>
-              <a:t>2021-05-09</a:t>
+              <a:t>2021-05-20</a:t>
             </a:fld>
             <a:endParaRPr lang="ko-KR" altLang="en-US"/>
           </a:p>
@@ -2415,7 +2415,7 @@
           <a:p>
             <a:fld id="{93D16A78-2C8A-4F39-AD27-BD8CA3EA2A0D}" type="datetimeFigureOut">
               <a:rPr lang="ko-KR" altLang="en-US" smtClean="0"/>
-              <a:t>2021-05-09</a:t>
+              <a:t>2021-05-20</a:t>
             </a:fld>
             <a:endParaRPr lang="ko-KR" altLang="en-US"/>
           </a:p>
@@ -2726,7 +2726,7 @@
           <a:p>
             <a:fld id="{93D16A78-2C8A-4F39-AD27-BD8CA3EA2A0D}" type="datetimeFigureOut">
               <a:rPr lang="ko-KR" altLang="en-US" smtClean="0"/>
-              <a:t>2021-05-09</a:t>
+              <a:t>2021-05-20</a:t>
             </a:fld>
             <a:endParaRPr lang="ko-KR" altLang="en-US"/>
           </a:p>
@@ -3014,7 +3014,7 @@
           <a:p>
             <a:fld id="{93D16A78-2C8A-4F39-AD27-BD8CA3EA2A0D}" type="datetimeFigureOut">
               <a:rPr lang="ko-KR" altLang="en-US" smtClean="0"/>
-              <a:t>2021-05-09</a:t>
+              <a:t>2021-05-20</a:t>
             </a:fld>
             <a:endParaRPr lang="ko-KR" altLang="en-US"/>
           </a:p>
@@ -3255,7 +3255,7 @@
           <a:p>
             <a:fld id="{93D16A78-2C8A-4F39-AD27-BD8CA3EA2A0D}" type="datetimeFigureOut">
               <a:rPr lang="ko-KR" altLang="en-US" smtClean="0"/>
-              <a:t>2021-05-09</a:t>
+              <a:t>2021-05-20</a:t>
             </a:fld>
             <a:endParaRPr lang="ko-KR" altLang="en-US"/>
           </a:p>
@@ -9744,6 +9744,471 @@
           <a:chExt cx="0" cy="0"/>
         </a:xfrm>
       </p:grpSpPr>
+      <p:sp>
+        <p:nvSpPr>
+          <p:cNvPr id="2" name="내용 개체 틀 1">
+            <a:extLst>
+              <a:ext uri="{FF2B5EF4-FFF2-40B4-BE49-F238E27FC236}">
+                <a16:creationId xmlns:a16="http://schemas.microsoft.com/office/drawing/2014/main" id="{E4827F83-7455-4365-A8C2-10771D593641}"/>
+              </a:ext>
+            </a:extLst>
+          </p:cNvPr>
+          <p:cNvSpPr>
+            <a:spLocks noGrp="1"/>
+          </p:cNvSpPr>
+          <p:nvPr>
+            <p:ph idx="1"/>
+          </p:nvPr>
+        </p:nvSpPr>
+        <p:spPr/>
+        <p:txBody>
+          <a:bodyPr/>
+          <a:lstStyle/>
+          <a:p>
+            <a:endParaRPr lang="ko-KR" altLang="en-US"/>
+          </a:p>
+        </p:txBody>
+      </p:sp>
+      <p:pic>
+        <p:nvPicPr>
+          <p:cNvPr id="4" name="그림 3">
+            <a:extLst>
+              <a:ext uri="{FF2B5EF4-FFF2-40B4-BE49-F238E27FC236}">
+                <a16:creationId xmlns:a16="http://schemas.microsoft.com/office/drawing/2014/main" id="{AC323C8F-E541-4587-A47F-2A9EF4951087}"/>
+              </a:ext>
+            </a:extLst>
+          </p:cNvPr>
+          <p:cNvPicPr>
+            <a:picLocks noChangeAspect="1"/>
+          </p:cNvPicPr>
+          <p:nvPr/>
+        </p:nvPicPr>
+        <p:blipFill>
+          <a:blip r:embed="rId2"/>
+          <a:stretch>
+            <a:fillRect/>
+          </a:stretch>
+        </p:blipFill>
+        <p:spPr>
+          <a:xfrm>
+            <a:off x="0" y="850692"/>
+            <a:ext cx="12192000" cy="5156616"/>
+          </a:xfrm>
+          <a:prstGeom prst="rect">
+            <a:avLst/>
+          </a:prstGeom>
+        </p:spPr>
+      </p:pic>
+    </p:spTree>
+    <p:extLst>
+      <p:ext uri="{BB962C8B-B14F-4D97-AF65-F5344CB8AC3E}">
+        <p14:creationId xmlns:p14="http://schemas.microsoft.com/office/powerpoint/2010/main" val="1537539504"/>
+      </p:ext>
+    </p:extLst>
+  </p:cSld>
+  <p:clrMapOvr>
+    <a:masterClrMapping/>
+  </p:clrMapOvr>
+</p:sld>
+</file>
+
+<file path=ppt/slides/slide2.xml><?xml version="1.0" encoding="utf-8"?>
+<p:sld xmlns:a="http://schemas.openxmlformats.org/drawingml/2006/main" xmlns:r="http://schemas.openxmlformats.org/officeDocument/2006/relationships" xmlns:p="http://schemas.openxmlformats.org/presentationml/2006/main">
+  <p:cSld>
+    <p:spTree>
+      <p:nvGrpSpPr>
+        <p:cNvPr id="1" name=""/>
+        <p:cNvGrpSpPr/>
+        <p:nvPr/>
+      </p:nvGrpSpPr>
+      <p:grpSpPr>
+        <a:xfrm>
+          <a:off x="0" y="0"/>
+          <a:ext cx="0" cy="0"/>
+          <a:chOff x="0" y="0"/>
+          <a:chExt cx="0" cy="0"/>
+        </a:xfrm>
+      </p:grpSpPr>
+      <p:sp>
+        <p:nvSpPr>
+          <p:cNvPr id="3" name="내용 개체 틀 2">
+            <a:extLst>
+              <a:ext uri="{FF2B5EF4-FFF2-40B4-BE49-F238E27FC236}">
+                <a16:creationId xmlns:a16="http://schemas.microsoft.com/office/drawing/2014/main" id="{BFCF626E-4D65-4C49-AD8B-2F8524F521D9}"/>
+              </a:ext>
+            </a:extLst>
+          </p:cNvPr>
+          <p:cNvSpPr>
+            <a:spLocks noGrp="1"/>
+          </p:cNvSpPr>
+          <p:nvPr>
+            <p:ph idx="1"/>
+          </p:nvPr>
+        </p:nvSpPr>
+        <p:spPr>
+          <a:xfrm>
+            <a:off x="838200" y="1514963"/>
+            <a:ext cx="10515600" cy="4351338"/>
+          </a:xfrm>
+        </p:spPr>
+        <p:txBody>
+          <a:bodyPr/>
+          <a:lstStyle/>
+          <a:p>
+            <a:pPr marL="0" indent="0">
+              <a:buNone/>
+            </a:pPr>
+            <a:endParaRPr lang="en-US" altLang="ko-KR" dirty="0"/>
+          </a:p>
+          <a:p>
+            <a:pPr marL="0" indent="0">
+              <a:buNone/>
+            </a:pPr>
+            <a:endParaRPr lang="en-US" altLang="ko-KR" sz="2000" dirty="0"/>
+          </a:p>
+          <a:p>
+            <a:pPr>
+              <a:buFont typeface="Wingdings" panose="05000000000000000000" pitchFamily="2" charset="2"/>
+              <a:buChar char="§"/>
+            </a:pPr>
+            <a:endParaRPr lang="en-US" altLang="ko-KR" dirty="0"/>
+          </a:p>
+          <a:p>
+            <a:endParaRPr lang="ko-KR" altLang="en-US" dirty="0"/>
+          </a:p>
+        </p:txBody>
+      </p:sp>
+      <p:sp>
+        <p:nvSpPr>
+          <p:cNvPr id="5" name="Google Shape;133;gc44dcee17b_2_84">
+            <a:extLst>
+              <a:ext uri="{FF2B5EF4-FFF2-40B4-BE49-F238E27FC236}">
+                <a16:creationId xmlns:a16="http://schemas.microsoft.com/office/drawing/2014/main" id="{7B394F59-D3B5-402C-9303-AB53D4B9B4F1}"/>
+              </a:ext>
+            </a:extLst>
+          </p:cNvPr>
+          <p:cNvSpPr txBox="1"/>
+          <p:nvPr/>
+        </p:nvSpPr>
+        <p:spPr>
+          <a:xfrm>
+            <a:off x="600364" y="596234"/>
+            <a:ext cx="4197874" cy="687620"/>
+          </a:xfrm>
+          <a:prstGeom prst="rect">
+            <a:avLst/>
+          </a:prstGeom>
+          <a:noFill/>
+          <a:ln>
+            <a:noFill/>
+          </a:ln>
+        </p:spPr>
+        <p:txBody>
+          <a:bodyPr spcFirstLastPara="1" wrap="square" lIns="68575" tIns="34275" rIns="68575" bIns="34275" anchor="t" anchorCtr="0">
+            <a:normAutofit/>
+          </a:bodyPr>
+          <a:lstStyle/>
+          <a:p>
+            <a:pPr marL="0" marR="0" lvl="0" indent="0" algn="l" rtl="0">
+              <a:lnSpc>
+                <a:spcPct val="90000"/>
+              </a:lnSpc>
+              <a:spcBef>
+                <a:spcPts val="0"/>
+              </a:spcBef>
+              <a:spcAft>
+                <a:spcPts val="0"/>
+              </a:spcAft>
+              <a:buClr>
+                <a:srgbClr val="000000"/>
+              </a:buClr>
+              <a:buSzPts val="2700"/>
+              <a:buFont typeface="Arial"/>
+              <a:buNone/>
+            </a:pPr>
+            <a:r>
+              <a:rPr lang="ko-KR" altLang="en-US" sz="4400" b="1" i="0" u="none" strike="noStrike" cap="none" dirty="0">
+                <a:solidFill>
+                  <a:srgbClr val="F2F2F2"/>
+                </a:solidFill>
+                <a:latin typeface="Arial"/>
+                <a:ea typeface="Arial"/>
+                <a:cs typeface="Arial"/>
+                <a:sym typeface="Arial"/>
+              </a:rPr>
+              <a:t>연구배경</a:t>
+            </a:r>
+            <a:endParaRPr sz="2700" b="1" i="0" u="none" strike="noStrike" cap="none" dirty="0">
+              <a:solidFill>
+                <a:srgbClr val="F2F2F2"/>
+              </a:solidFill>
+              <a:latin typeface="Arial"/>
+              <a:ea typeface="Arial"/>
+              <a:cs typeface="Arial"/>
+              <a:sym typeface="Arial"/>
+            </a:endParaRPr>
+          </a:p>
+        </p:txBody>
+      </p:sp>
+      <p:sp>
+        <p:nvSpPr>
+          <p:cNvPr id="6" name="제목 1">
+            <a:extLst>
+              <a:ext uri="{FF2B5EF4-FFF2-40B4-BE49-F238E27FC236}">
+                <a16:creationId xmlns:a16="http://schemas.microsoft.com/office/drawing/2014/main" id="{4B72EE2F-A158-4D86-BA72-C82041AC534C}"/>
+              </a:ext>
+            </a:extLst>
+          </p:cNvPr>
+          <p:cNvSpPr txBox="1">
+            <a:spLocks/>
+          </p:cNvSpPr>
+          <p:nvPr/>
+        </p:nvSpPr>
+        <p:spPr>
+          <a:xfrm>
+            <a:off x="838200" y="365125"/>
+            <a:ext cx="10515600" cy="1325563"/>
+          </a:xfrm>
+          <a:prstGeom prst="rect">
+            <a:avLst/>
+          </a:prstGeom>
+        </p:spPr>
+        <p:txBody>
+          <a:bodyPr vert="horz" lIns="91440" tIns="45720" rIns="91440" bIns="45720" rtlCol="0" anchor="ctr">
+            <a:normAutofit/>
+          </a:bodyPr>
+          <a:lstStyle>
+            <a:lvl1pPr algn="l" defTabSz="914400" rtl="0" eaLnBrk="1" latinLnBrk="1" hangingPunct="1">
+              <a:lnSpc>
+                <a:spcPct val="90000"/>
+              </a:lnSpc>
+              <a:spcBef>
+                <a:spcPct val="0"/>
+              </a:spcBef>
+              <a:buNone/>
+              <a:defRPr sz="4000" kern="1200">
+                <a:solidFill>
+                  <a:schemeClr val="tx1"/>
+                </a:solidFill>
+                <a:latin typeface="+mj-lt"/>
+                <a:ea typeface="+mj-ea"/>
+                <a:cs typeface="+mj-cs"/>
+              </a:defRPr>
+            </a:lvl1pPr>
+          </a:lstStyle>
+          <a:p>
+            <a:r>
+              <a:rPr lang="ko-KR" altLang="en-US" sz="3200" dirty="0">
+                <a:latin typeface="휴먼엑스포" panose="02030504000101010101" pitchFamily="18" charset="-127"/>
+                <a:ea typeface="휴먼엑스포" panose="02030504000101010101" pitchFamily="18" charset="-127"/>
+                <a:cs typeface="Arial" panose="020B0604020202020204" pitchFamily="34" charset="0"/>
+              </a:rPr>
+              <a:t>연구배경</a:t>
+            </a:r>
+            <a:r>
+              <a:rPr lang="ko" altLang="ko-KR" sz="3200" b="1" dirty="0">
+                <a:solidFill>
+                  <a:srgbClr val="757070"/>
+                </a:solidFill>
+              </a:rPr>
+              <a:t>|</a:t>
+            </a:r>
+            <a:endParaRPr lang="ko-KR" altLang="en-US" dirty="0"/>
+          </a:p>
+        </p:txBody>
+      </p:sp>
+      <p:sp>
+        <p:nvSpPr>
+          <p:cNvPr id="8" name="TextBox 7">
+            <a:extLst>
+              <a:ext uri="{FF2B5EF4-FFF2-40B4-BE49-F238E27FC236}">
+                <a16:creationId xmlns:a16="http://schemas.microsoft.com/office/drawing/2014/main" id="{C3B5FFC4-C6C7-4793-9726-CBC106394AF5}"/>
+              </a:ext>
+            </a:extLst>
+          </p:cNvPr>
+          <p:cNvSpPr txBox="1"/>
+          <p:nvPr/>
+        </p:nvSpPr>
+        <p:spPr>
+          <a:xfrm>
+            <a:off x="966932" y="2063592"/>
+            <a:ext cx="4160520" cy="2862322"/>
+          </a:xfrm>
+          <a:prstGeom prst="rect">
+            <a:avLst/>
+          </a:prstGeom>
+          <a:noFill/>
+        </p:spPr>
+        <p:txBody>
+          <a:bodyPr wrap="square" rtlCol="0">
+            <a:spAutoFit/>
+          </a:bodyPr>
+          <a:lstStyle/>
+          <a:p>
+            <a:endParaRPr lang="en-US" altLang="ko-KR" dirty="0"/>
+          </a:p>
+          <a:p>
+            <a:pPr marL="285750" indent="-285750">
+              <a:buFont typeface="Wingdings" panose="05000000000000000000" pitchFamily="2" charset="2"/>
+              <a:buChar char="§"/>
+            </a:pPr>
+            <a:r>
+              <a:rPr lang="ko-KR" altLang="en-US" dirty="0"/>
+              <a:t>코로나 사태 와 더불어 가계 부채 증가율 상승</a:t>
+            </a:r>
+            <a:endParaRPr lang="en-US" altLang="ko-KR" dirty="0"/>
+          </a:p>
+          <a:p>
+            <a:pPr marL="285750" indent="-285750">
+              <a:buFont typeface="Wingdings" panose="05000000000000000000" pitchFamily="2" charset="2"/>
+              <a:buChar char="§"/>
+            </a:pPr>
+            <a:endParaRPr lang="en-US" altLang="ko-KR" dirty="0"/>
+          </a:p>
+          <a:p>
+            <a:pPr marL="285750" indent="-285750">
+              <a:buFont typeface="Wingdings" panose="05000000000000000000" pitchFamily="2" charset="2"/>
+              <a:buChar char="§"/>
+            </a:pPr>
+            <a:endParaRPr lang="en-US" altLang="ko-KR" dirty="0"/>
+          </a:p>
+          <a:p>
+            <a:pPr marL="285750" indent="-285750">
+              <a:buFont typeface="Wingdings" panose="05000000000000000000" pitchFamily="2" charset="2"/>
+              <a:buChar char="§"/>
+            </a:pPr>
+            <a:r>
+              <a:rPr lang="en-US" altLang="ko-KR" dirty="0"/>
+              <a:t>GDP</a:t>
+            </a:r>
+            <a:r>
+              <a:rPr lang="ko-KR" altLang="en-US" dirty="0"/>
+              <a:t>대비 가계부채 </a:t>
+            </a:r>
+            <a:r>
+              <a:rPr lang="en-US" altLang="ko-KR" dirty="0"/>
+              <a:t>100% </a:t>
+            </a:r>
+            <a:r>
+              <a:rPr lang="ko-KR" altLang="en-US" dirty="0"/>
+              <a:t>돌파</a:t>
+            </a:r>
+            <a:endParaRPr lang="en-US" altLang="ko-KR" dirty="0"/>
+          </a:p>
+          <a:p>
+            <a:pPr marL="285750" indent="-285750">
+              <a:buFont typeface="Wingdings" panose="05000000000000000000" pitchFamily="2" charset="2"/>
+              <a:buChar char="§"/>
+            </a:pPr>
+            <a:endParaRPr lang="en-US" altLang="ko-KR" dirty="0"/>
+          </a:p>
+          <a:p>
+            <a:pPr marL="285750" indent="-285750">
+              <a:buFont typeface="Wingdings" panose="05000000000000000000" pitchFamily="2" charset="2"/>
+              <a:buChar char="§"/>
+            </a:pPr>
+            <a:endParaRPr lang="en-US" altLang="ko-KR" dirty="0"/>
+          </a:p>
+          <a:p>
+            <a:pPr marL="285750" indent="-285750">
+              <a:buFont typeface="Wingdings" panose="05000000000000000000" pitchFamily="2" charset="2"/>
+              <a:buChar char="§"/>
+            </a:pPr>
+            <a:r>
+              <a:rPr lang="ko-KR" altLang="en-US" dirty="0"/>
+              <a:t>생계형</a:t>
+            </a:r>
+            <a:r>
+              <a:rPr lang="en-US" altLang="ko-KR" dirty="0"/>
+              <a:t>, </a:t>
+            </a:r>
+            <a:r>
+              <a:rPr lang="ko-KR" altLang="en-US" dirty="0" err="1"/>
+              <a:t>영끌</a:t>
+            </a:r>
+            <a:r>
+              <a:rPr lang="en-US" altLang="ko-KR" dirty="0"/>
+              <a:t>, </a:t>
+            </a:r>
+            <a:r>
+              <a:rPr lang="ko-KR" altLang="en-US" dirty="0" err="1"/>
+              <a:t>빛투</a:t>
+            </a:r>
+            <a:r>
+              <a:rPr lang="ko-KR" altLang="en-US" dirty="0"/>
+              <a:t> </a:t>
+            </a:r>
+            <a:r>
+              <a:rPr lang="en-US" altLang="ko-KR" dirty="0" err="1"/>
+              <a:t>etc</a:t>
+            </a:r>
+            <a:endParaRPr lang="en-US" altLang="ko-KR" dirty="0"/>
+          </a:p>
+          <a:p>
+            <a:endParaRPr lang="ko-KR" altLang="en-US" dirty="0"/>
+          </a:p>
+        </p:txBody>
+      </p:sp>
+      <p:pic>
+        <p:nvPicPr>
+          <p:cNvPr id="10" name="그림 9">
+            <a:extLst>
+              <a:ext uri="{FF2B5EF4-FFF2-40B4-BE49-F238E27FC236}">
+                <a16:creationId xmlns:a16="http://schemas.microsoft.com/office/drawing/2014/main" id="{76EDC32B-3042-4102-A7FC-BCCF9E993079}"/>
+              </a:ext>
+            </a:extLst>
+          </p:cNvPr>
+          <p:cNvPicPr>
+            <a:picLocks noChangeAspect="1"/>
+          </p:cNvPicPr>
+          <p:nvPr/>
+        </p:nvPicPr>
+        <p:blipFill>
+          <a:blip r:embed="rId2"/>
+          <a:stretch>
+            <a:fillRect/>
+          </a:stretch>
+        </p:blipFill>
+        <p:spPr>
+          <a:xfrm>
+            <a:off x="5607367" y="1845201"/>
+            <a:ext cx="5368305" cy="3420219"/>
+          </a:xfrm>
+          <a:prstGeom prst="rect">
+            <a:avLst/>
+          </a:prstGeom>
+        </p:spPr>
+      </p:pic>
+    </p:spTree>
+    <p:extLst>
+      <p:ext uri="{BB962C8B-B14F-4D97-AF65-F5344CB8AC3E}">
+        <p14:creationId xmlns:p14="http://schemas.microsoft.com/office/powerpoint/2010/main" val="3854971736"/>
+      </p:ext>
+    </p:extLst>
+  </p:cSld>
+  <p:clrMapOvr>
+    <a:masterClrMapping/>
+  </p:clrMapOvr>
+</p:sld>
+</file>
+
+<file path=ppt/slides/slide20.xml><?xml version="1.0" encoding="utf-8"?>
+<p:sld xmlns:a="http://schemas.openxmlformats.org/drawingml/2006/main" xmlns:r="http://schemas.openxmlformats.org/officeDocument/2006/relationships" xmlns:p="http://schemas.openxmlformats.org/presentationml/2006/main">
+  <p:cSld>
+    <p:spTree>
+      <p:nvGrpSpPr>
+        <p:cNvPr id="1" name=""/>
+        <p:cNvGrpSpPr/>
+        <p:nvPr/>
+      </p:nvGrpSpPr>
+      <p:grpSpPr>
+        <a:xfrm>
+          <a:off x="0" y="0"/>
+          <a:ext cx="0" cy="0"/>
+          <a:chOff x="0" y="0"/>
+          <a:chExt cx="0" cy="0"/>
+        </a:xfrm>
+      </p:grpSpPr>
       <p:graphicFrame>
         <p:nvGraphicFramePr>
           <p:cNvPr id="3" name="표 3">
@@ -10709,441 +11174,6 @@
     <p:extLst>
       <p:ext uri="{BB962C8B-B14F-4D97-AF65-F5344CB8AC3E}">
         <p14:creationId xmlns:p14="http://schemas.microsoft.com/office/powerpoint/2010/main" val="95400539"/>
-      </p:ext>
-    </p:extLst>
-  </p:cSld>
-  <p:clrMapOvr>
-    <a:masterClrMapping/>
-  </p:clrMapOvr>
-</p:sld>
-</file>
-
-<file path=ppt/slides/slide2.xml><?xml version="1.0" encoding="utf-8"?>
-<p:sld xmlns:a="http://schemas.openxmlformats.org/drawingml/2006/main" xmlns:r="http://schemas.openxmlformats.org/officeDocument/2006/relationships" xmlns:p="http://schemas.openxmlformats.org/presentationml/2006/main">
-  <p:cSld>
-    <p:spTree>
-      <p:nvGrpSpPr>
-        <p:cNvPr id="1" name=""/>
-        <p:cNvGrpSpPr/>
-        <p:nvPr/>
-      </p:nvGrpSpPr>
-      <p:grpSpPr>
-        <a:xfrm>
-          <a:off x="0" y="0"/>
-          <a:ext cx="0" cy="0"/>
-          <a:chOff x="0" y="0"/>
-          <a:chExt cx="0" cy="0"/>
-        </a:xfrm>
-      </p:grpSpPr>
-      <p:sp>
-        <p:nvSpPr>
-          <p:cNvPr id="3" name="내용 개체 틀 2">
-            <a:extLst>
-              <a:ext uri="{FF2B5EF4-FFF2-40B4-BE49-F238E27FC236}">
-                <a16:creationId xmlns:a16="http://schemas.microsoft.com/office/drawing/2014/main" id="{BFCF626E-4D65-4C49-AD8B-2F8524F521D9}"/>
-              </a:ext>
-            </a:extLst>
-          </p:cNvPr>
-          <p:cNvSpPr>
-            <a:spLocks noGrp="1"/>
-          </p:cNvSpPr>
-          <p:nvPr>
-            <p:ph idx="1"/>
-          </p:nvPr>
-        </p:nvSpPr>
-        <p:spPr>
-          <a:xfrm>
-            <a:off x="838200" y="1514963"/>
-            <a:ext cx="10515600" cy="4351338"/>
-          </a:xfrm>
-        </p:spPr>
-        <p:txBody>
-          <a:bodyPr/>
-          <a:lstStyle/>
-          <a:p>
-            <a:pPr marL="0" indent="0">
-              <a:buNone/>
-            </a:pPr>
-            <a:endParaRPr lang="en-US" altLang="ko-KR" dirty="0"/>
-          </a:p>
-          <a:p>
-            <a:pPr marL="0" indent="0">
-              <a:buNone/>
-            </a:pPr>
-            <a:endParaRPr lang="en-US" altLang="ko-KR" sz="2000" dirty="0"/>
-          </a:p>
-          <a:p>
-            <a:pPr>
-              <a:buFont typeface="Wingdings" panose="05000000000000000000" pitchFamily="2" charset="2"/>
-              <a:buChar char="§"/>
-            </a:pPr>
-            <a:endParaRPr lang="en-US" altLang="ko-KR" dirty="0"/>
-          </a:p>
-          <a:p>
-            <a:endParaRPr lang="ko-KR" altLang="en-US" dirty="0"/>
-          </a:p>
-        </p:txBody>
-      </p:sp>
-      <p:sp>
-        <p:nvSpPr>
-          <p:cNvPr id="5" name="Google Shape;133;gc44dcee17b_2_84">
-            <a:extLst>
-              <a:ext uri="{FF2B5EF4-FFF2-40B4-BE49-F238E27FC236}">
-                <a16:creationId xmlns:a16="http://schemas.microsoft.com/office/drawing/2014/main" id="{7B394F59-D3B5-402C-9303-AB53D4B9B4F1}"/>
-              </a:ext>
-            </a:extLst>
-          </p:cNvPr>
-          <p:cNvSpPr txBox="1"/>
-          <p:nvPr/>
-        </p:nvSpPr>
-        <p:spPr>
-          <a:xfrm>
-            <a:off x="600364" y="596234"/>
-            <a:ext cx="4197874" cy="687620"/>
-          </a:xfrm>
-          <a:prstGeom prst="rect">
-            <a:avLst/>
-          </a:prstGeom>
-          <a:noFill/>
-          <a:ln>
-            <a:noFill/>
-          </a:ln>
-        </p:spPr>
-        <p:txBody>
-          <a:bodyPr spcFirstLastPara="1" wrap="square" lIns="68575" tIns="34275" rIns="68575" bIns="34275" anchor="t" anchorCtr="0">
-            <a:normAutofit/>
-          </a:bodyPr>
-          <a:lstStyle/>
-          <a:p>
-            <a:pPr marL="0" marR="0" lvl="0" indent="0" algn="l" rtl="0">
-              <a:lnSpc>
-                <a:spcPct val="90000"/>
-              </a:lnSpc>
-              <a:spcBef>
-                <a:spcPts val="0"/>
-              </a:spcBef>
-              <a:spcAft>
-                <a:spcPts val="0"/>
-              </a:spcAft>
-              <a:buClr>
-                <a:srgbClr val="000000"/>
-              </a:buClr>
-              <a:buSzPts val="2700"/>
-              <a:buFont typeface="Arial"/>
-              <a:buNone/>
-            </a:pPr>
-            <a:r>
-              <a:rPr lang="ko-KR" altLang="en-US" sz="4400" b="1" i="0" u="none" strike="noStrike" cap="none" dirty="0">
-                <a:solidFill>
-                  <a:srgbClr val="F2F2F2"/>
-                </a:solidFill>
-                <a:latin typeface="Arial"/>
-                <a:ea typeface="Arial"/>
-                <a:cs typeface="Arial"/>
-                <a:sym typeface="Arial"/>
-              </a:rPr>
-              <a:t>연구배경</a:t>
-            </a:r>
-            <a:endParaRPr sz="2700" b="1" i="0" u="none" strike="noStrike" cap="none" dirty="0">
-              <a:solidFill>
-                <a:srgbClr val="F2F2F2"/>
-              </a:solidFill>
-              <a:latin typeface="Arial"/>
-              <a:ea typeface="Arial"/>
-              <a:cs typeface="Arial"/>
-              <a:sym typeface="Arial"/>
-            </a:endParaRPr>
-          </a:p>
-        </p:txBody>
-      </p:sp>
-      <p:sp>
-        <p:nvSpPr>
-          <p:cNvPr id="6" name="제목 1">
-            <a:extLst>
-              <a:ext uri="{FF2B5EF4-FFF2-40B4-BE49-F238E27FC236}">
-                <a16:creationId xmlns:a16="http://schemas.microsoft.com/office/drawing/2014/main" id="{4B72EE2F-A158-4D86-BA72-C82041AC534C}"/>
-              </a:ext>
-            </a:extLst>
-          </p:cNvPr>
-          <p:cNvSpPr txBox="1">
-            <a:spLocks/>
-          </p:cNvSpPr>
-          <p:nvPr/>
-        </p:nvSpPr>
-        <p:spPr>
-          <a:xfrm>
-            <a:off x="838200" y="365125"/>
-            <a:ext cx="10515600" cy="1325563"/>
-          </a:xfrm>
-          <a:prstGeom prst="rect">
-            <a:avLst/>
-          </a:prstGeom>
-        </p:spPr>
-        <p:txBody>
-          <a:bodyPr vert="horz" lIns="91440" tIns="45720" rIns="91440" bIns="45720" rtlCol="0" anchor="ctr">
-            <a:normAutofit/>
-          </a:bodyPr>
-          <a:lstStyle>
-            <a:lvl1pPr algn="l" defTabSz="914400" rtl="0" eaLnBrk="1" latinLnBrk="1" hangingPunct="1">
-              <a:lnSpc>
-                <a:spcPct val="90000"/>
-              </a:lnSpc>
-              <a:spcBef>
-                <a:spcPct val="0"/>
-              </a:spcBef>
-              <a:buNone/>
-              <a:defRPr sz="4000" kern="1200">
-                <a:solidFill>
-                  <a:schemeClr val="tx1"/>
-                </a:solidFill>
-                <a:latin typeface="+mj-lt"/>
-                <a:ea typeface="+mj-ea"/>
-                <a:cs typeface="+mj-cs"/>
-              </a:defRPr>
-            </a:lvl1pPr>
-          </a:lstStyle>
-          <a:p>
-            <a:r>
-              <a:rPr lang="ko-KR" altLang="en-US" sz="3200" dirty="0">
-                <a:latin typeface="휴먼엑스포" panose="02030504000101010101" pitchFamily="18" charset="-127"/>
-                <a:ea typeface="휴먼엑스포" panose="02030504000101010101" pitchFamily="18" charset="-127"/>
-                <a:cs typeface="Arial" panose="020B0604020202020204" pitchFamily="34" charset="0"/>
-              </a:rPr>
-              <a:t>연구배경</a:t>
-            </a:r>
-            <a:r>
-              <a:rPr lang="ko" altLang="ko-KR" sz="3200" b="1" dirty="0">
-                <a:solidFill>
-                  <a:srgbClr val="757070"/>
-                </a:solidFill>
-              </a:rPr>
-              <a:t>|</a:t>
-            </a:r>
-            <a:endParaRPr lang="ko-KR" altLang="en-US" dirty="0"/>
-          </a:p>
-        </p:txBody>
-      </p:sp>
-      <p:sp>
-        <p:nvSpPr>
-          <p:cNvPr id="8" name="TextBox 7">
-            <a:extLst>
-              <a:ext uri="{FF2B5EF4-FFF2-40B4-BE49-F238E27FC236}">
-                <a16:creationId xmlns:a16="http://schemas.microsoft.com/office/drawing/2014/main" id="{C3B5FFC4-C6C7-4793-9726-CBC106394AF5}"/>
-              </a:ext>
-            </a:extLst>
-          </p:cNvPr>
-          <p:cNvSpPr txBox="1"/>
-          <p:nvPr/>
-        </p:nvSpPr>
-        <p:spPr>
-          <a:xfrm>
-            <a:off x="966932" y="2063592"/>
-            <a:ext cx="4160520" cy="2862322"/>
-          </a:xfrm>
-          <a:prstGeom prst="rect">
-            <a:avLst/>
-          </a:prstGeom>
-          <a:noFill/>
-        </p:spPr>
-        <p:txBody>
-          <a:bodyPr wrap="square" rtlCol="0">
-            <a:spAutoFit/>
-          </a:bodyPr>
-          <a:lstStyle/>
-          <a:p>
-            <a:endParaRPr lang="en-US" altLang="ko-KR" dirty="0"/>
-          </a:p>
-          <a:p>
-            <a:pPr marL="285750" indent="-285750">
-              <a:buFont typeface="Wingdings" panose="05000000000000000000" pitchFamily="2" charset="2"/>
-              <a:buChar char="§"/>
-            </a:pPr>
-            <a:r>
-              <a:rPr lang="ko-KR" altLang="en-US" dirty="0"/>
-              <a:t>코로나 사태 와 더불어 가계 부채 증가율 상승</a:t>
-            </a:r>
-            <a:endParaRPr lang="en-US" altLang="ko-KR" dirty="0"/>
-          </a:p>
-          <a:p>
-            <a:pPr marL="285750" indent="-285750">
-              <a:buFont typeface="Wingdings" panose="05000000000000000000" pitchFamily="2" charset="2"/>
-              <a:buChar char="§"/>
-            </a:pPr>
-            <a:endParaRPr lang="en-US" altLang="ko-KR" dirty="0"/>
-          </a:p>
-          <a:p>
-            <a:pPr marL="285750" indent="-285750">
-              <a:buFont typeface="Wingdings" panose="05000000000000000000" pitchFamily="2" charset="2"/>
-              <a:buChar char="§"/>
-            </a:pPr>
-            <a:endParaRPr lang="en-US" altLang="ko-KR" dirty="0"/>
-          </a:p>
-          <a:p>
-            <a:pPr marL="285750" indent="-285750">
-              <a:buFont typeface="Wingdings" panose="05000000000000000000" pitchFamily="2" charset="2"/>
-              <a:buChar char="§"/>
-            </a:pPr>
-            <a:r>
-              <a:rPr lang="en-US" altLang="ko-KR" dirty="0"/>
-              <a:t>GDP</a:t>
-            </a:r>
-            <a:r>
-              <a:rPr lang="ko-KR" altLang="en-US" dirty="0"/>
-              <a:t>대비 가계부채 </a:t>
-            </a:r>
-            <a:r>
-              <a:rPr lang="en-US" altLang="ko-KR" dirty="0"/>
-              <a:t>100% </a:t>
-            </a:r>
-            <a:r>
-              <a:rPr lang="ko-KR" altLang="en-US" dirty="0"/>
-              <a:t>돌파</a:t>
-            </a:r>
-            <a:endParaRPr lang="en-US" altLang="ko-KR" dirty="0"/>
-          </a:p>
-          <a:p>
-            <a:pPr marL="285750" indent="-285750">
-              <a:buFont typeface="Wingdings" panose="05000000000000000000" pitchFamily="2" charset="2"/>
-              <a:buChar char="§"/>
-            </a:pPr>
-            <a:endParaRPr lang="en-US" altLang="ko-KR" dirty="0"/>
-          </a:p>
-          <a:p>
-            <a:pPr marL="285750" indent="-285750">
-              <a:buFont typeface="Wingdings" panose="05000000000000000000" pitchFamily="2" charset="2"/>
-              <a:buChar char="§"/>
-            </a:pPr>
-            <a:endParaRPr lang="en-US" altLang="ko-KR" dirty="0"/>
-          </a:p>
-          <a:p>
-            <a:pPr marL="285750" indent="-285750">
-              <a:buFont typeface="Wingdings" panose="05000000000000000000" pitchFamily="2" charset="2"/>
-              <a:buChar char="§"/>
-            </a:pPr>
-            <a:r>
-              <a:rPr lang="ko-KR" altLang="en-US" dirty="0"/>
-              <a:t>생계형</a:t>
-            </a:r>
-            <a:r>
-              <a:rPr lang="en-US" altLang="ko-KR" dirty="0"/>
-              <a:t>, </a:t>
-            </a:r>
-            <a:r>
-              <a:rPr lang="ko-KR" altLang="en-US" dirty="0" err="1"/>
-              <a:t>영끌</a:t>
-            </a:r>
-            <a:r>
-              <a:rPr lang="en-US" altLang="ko-KR" dirty="0"/>
-              <a:t>, </a:t>
-            </a:r>
-            <a:r>
-              <a:rPr lang="ko-KR" altLang="en-US" dirty="0" err="1"/>
-              <a:t>빛투</a:t>
-            </a:r>
-            <a:r>
-              <a:rPr lang="ko-KR" altLang="en-US" dirty="0"/>
-              <a:t> </a:t>
-            </a:r>
-            <a:r>
-              <a:rPr lang="en-US" altLang="ko-KR" dirty="0" err="1"/>
-              <a:t>etc</a:t>
-            </a:r>
-            <a:endParaRPr lang="en-US" altLang="ko-KR" dirty="0"/>
-          </a:p>
-          <a:p>
-            <a:endParaRPr lang="ko-KR" altLang="en-US" dirty="0"/>
-          </a:p>
-        </p:txBody>
-      </p:sp>
-      <p:pic>
-        <p:nvPicPr>
-          <p:cNvPr id="10" name="그림 9">
-            <a:extLst>
-              <a:ext uri="{FF2B5EF4-FFF2-40B4-BE49-F238E27FC236}">
-                <a16:creationId xmlns:a16="http://schemas.microsoft.com/office/drawing/2014/main" id="{76EDC32B-3042-4102-A7FC-BCCF9E993079}"/>
-              </a:ext>
-            </a:extLst>
-          </p:cNvPr>
-          <p:cNvPicPr>
-            <a:picLocks noChangeAspect="1"/>
-          </p:cNvPicPr>
-          <p:nvPr/>
-        </p:nvPicPr>
-        <p:blipFill>
-          <a:blip r:embed="rId2"/>
-          <a:stretch>
-            <a:fillRect/>
-          </a:stretch>
-        </p:blipFill>
-        <p:spPr>
-          <a:xfrm>
-            <a:off x="5607367" y="1845201"/>
-            <a:ext cx="5368305" cy="3420219"/>
-          </a:xfrm>
-          <a:prstGeom prst="rect">
-            <a:avLst/>
-          </a:prstGeom>
-        </p:spPr>
-      </p:pic>
-    </p:spTree>
-    <p:extLst>
-      <p:ext uri="{BB962C8B-B14F-4D97-AF65-F5344CB8AC3E}">
-        <p14:creationId xmlns:p14="http://schemas.microsoft.com/office/powerpoint/2010/main" val="3854971736"/>
-      </p:ext>
-    </p:extLst>
-  </p:cSld>
-  <p:clrMapOvr>
-    <a:masterClrMapping/>
-  </p:clrMapOvr>
-</p:sld>
-</file>
-
-<file path=ppt/slides/slide20.xml><?xml version="1.0" encoding="utf-8"?>
-<p:sld xmlns:a="http://schemas.openxmlformats.org/drawingml/2006/main" xmlns:r="http://schemas.openxmlformats.org/officeDocument/2006/relationships" xmlns:p="http://schemas.openxmlformats.org/presentationml/2006/main">
-  <p:cSld>
-    <p:spTree>
-      <p:nvGrpSpPr>
-        <p:cNvPr id="1" name=""/>
-        <p:cNvGrpSpPr/>
-        <p:nvPr/>
-      </p:nvGrpSpPr>
-      <p:grpSpPr>
-        <a:xfrm>
-          <a:off x="0" y="0"/>
-          <a:ext cx="0" cy="0"/>
-          <a:chOff x="0" y="0"/>
-          <a:chExt cx="0" cy="0"/>
-        </a:xfrm>
-      </p:grpSpPr>
-      <p:sp>
-        <p:nvSpPr>
-          <p:cNvPr id="2" name="내용 개체 틀 1">
-            <a:extLst>
-              <a:ext uri="{FF2B5EF4-FFF2-40B4-BE49-F238E27FC236}">
-                <a16:creationId xmlns:a16="http://schemas.microsoft.com/office/drawing/2014/main" id="{E4827F83-7455-4365-A8C2-10771D593641}"/>
-              </a:ext>
-            </a:extLst>
-          </p:cNvPr>
-          <p:cNvSpPr>
-            <a:spLocks noGrp="1"/>
-          </p:cNvSpPr>
-          <p:nvPr>
-            <p:ph idx="1"/>
-          </p:nvPr>
-        </p:nvSpPr>
-        <p:spPr/>
-        <p:txBody>
-          <a:bodyPr/>
-          <a:lstStyle/>
-          <a:p>
-            <a:endParaRPr lang="ko-KR" altLang="en-US"/>
-          </a:p>
-        </p:txBody>
-      </p:sp>
-    </p:spTree>
-    <p:extLst>
-      <p:ext uri="{BB962C8B-B14F-4D97-AF65-F5344CB8AC3E}">
-        <p14:creationId xmlns:p14="http://schemas.microsoft.com/office/powerpoint/2010/main" val="1537539504"/>
       </p:ext>
     </p:extLst>
   </p:cSld>
